--- a/_umkc-teaching/slides/Lecture10.pptx
+++ b/_umkc-teaching/slides/Lecture10.pptx
@@ -5,7 +5,7 @@
     <p:sldMasterId id="2147483660" r:id="rId1"/>
   </p:sldMasterIdLst>
   <p:notesMasterIdLst>
-    <p:notesMasterId r:id="rId18"/>
+    <p:notesMasterId r:id="rId22"/>
   </p:notesMasterIdLst>
   <p:sldIdLst>
     <p:sldId id="257" r:id="rId2"/>
@@ -23,7 +23,11 @@
     <p:sldId id="398" r:id="rId14"/>
     <p:sldId id="399" r:id="rId15"/>
     <p:sldId id="400" r:id="rId16"/>
-    <p:sldId id="325" r:id="rId17"/>
+    <p:sldId id="401" r:id="rId17"/>
+    <p:sldId id="402" r:id="rId18"/>
+    <p:sldId id="403" r:id="rId19"/>
+    <p:sldId id="404" r:id="rId20"/>
+    <p:sldId id="325" r:id="rId21"/>
   </p:sldIdLst>
   <p:sldSz cx="12192000" cy="6858000"/>
   <p:notesSz cx="6858000" cy="9144000"/>
@@ -212,7 +216,7 @@
           <a:p>
             <a:fld id="{7AF9442D-9D7C-40D7-A5A3-649EA8C158D2}" type="datetimeFigureOut">
               <a:rPr lang="en-US" smtClean="0"/>
-              <a:t>10/16/23</a:t>
+              <a:t>10/22/23</a:t>
             </a:fld>
             <a:endParaRPr lang="en-US"/>
           </a:p>
@@ -1013,6 +1017,362 @@
 </p:notes>
 </file>
 
+<file path=ppt/notesSlides/notesSlide15.xml><?xml version="1.0" encoding="utf-8"?>
+<p:notes xmlns:a="http://schemas.openxmlformats.org/drawingml/2006/main" xmlns:r="http://schemas.openxmlformats.org/officeDocument/2006/relationships" xmlns:p="http://schemas.openxmlformats.org/presentationml/2006/main">
+  <p:cSld>
+    <p:spTree>
+      <p:nvGrpSpPr>
+        <p:cNvPr id="1" name=""/>
+        <p:cNvGrpSpPr/>
+        <p:nvPr/>
+      </p:nvGrpSpPr>
+      <p:grpSpPr>
+        <a:xfrm>
+          <a:off x="0" y="0"/>
+          <a:ext cx="0" cy="0"/>
+          <a:chOff x="0" y="0"/>
+          <a:chExt cx="0" cy="0"/>
+        </a:xfrm>
+      </p:grpSpPr>
+      <p:sp>
+        <p:nvSpPr>
+          <p:cNvPr id="2" name="Slide Image Placeholder 1"/>
+          <p:cNvSpPr>
+            <a:spLocks noGrp="1" noRot="1" noChangeAspect="1"/>
+          </p:cNvSpPr>
+          <p:nvPr>
+            <p:ph type="sldImg"/>
+          </p:nvPr>
+        </p:nvSpPr>
+        <p:spPr>
+          <a:xfrm>
+            <a:off x="685800" y="1143000"/>
+            <a:ext cx="5486400" cy="3086100"/>
+          </a:xfrm>
+        </p:spPr>
+      </p:sp>
+      <p:sp>
+        <p:nvSpPr>
+          <p:cNvPr id="3" name="Notes Placeholder 2"/>
+          <p:cNvSpPr>
+            <a:spLocks noGrp="1"/>
+          </p:cNvSpPr>
+          <p:nvPr>
+            <p:ph type="body" idx="1"/>
+          </p:nvPr>
+        </p:nvSpPr>
+        <p:spPr/>
+        <p:txBody>
+          <a:bodyPr/>
+          <a:lstStyle/>
+          <a:p>
+            <a:endParaRPr lang="en-US" dirty="0"/>
+          </a:p>
+        </p:txBody>
+      </p:sp>
+      <p:sp>
+        <p:nvSpPr>
+          <p:cNvPr id="4" name="Slide Number Placeholder 3"/>
+          <p:cNvSpPr>
+            <a:spLocks noGrp="1"/>
+          </p:cNvSpPr>
+          <p:nvPr>
+            <p:ph type="sldNum" sz="quarter" idx="5"/>
+          </p:nvPr>
+        </p:nvSpPr>
+        <p:spPr/>
+        <p:txBody>
+          <a:bodyPr/>
+          <a:lstStyle/>
+          <a:p>
+            <a:fld id="{3F8BDF20-BE86-4883-8A23-4CE3D0058BEA}" type="slidenum">
+              <a:rPr lang="en-US" smtClean="0"/>
+              <a:t>16</a:t>
+            </a:fld>
+            <a:endParaRPr lang="en-US"/>
+          </a:p>
+        </p:txBody>
+      </p:sp>
+    </p:spTree>
+    <p:extLst>
+      <p:ext uri="{BB962C8B-B14F-4D97-AF65-F5344CB8AC3E}">
+        <p14:creationId xmlns:p14="http://schemas.microsoft.com/office/powerpoint/2010/main" val="2765094440"/>
+      </p:ext>
+    </p:extLst>
+  </p:cSld>
+  <p:clrMapOvr>
+    <a:masterClrMapping/>
+  </p:clrMapOvr>
+</p:notes>
+</file>
+
+<file path=ppt/notesSlides/notesSlide16.xml><?xml version="1.0" encoding="utf-8"?>
+<p:notes xmlns:a="http://schemas.openxmlformats.org/drawingml/2006/main" xmlns:r="http://schemas.openxmlformats.org/officeDocument/2006/relationships" xmlns:p="http://schemas.openxmlformats.org/presentationml/2006/main">
+  <p:cSld>
+    <p:spTree>
+      <p:nvGrpSpPr>
+        <p:cNvPr id="1" name=""/>
+        <p:cNvGrpSpPr/>
+        <p:nvPr/>
+      </p:nvGrpSpPr>
+      <p:grpSpPr>
+        <a:xfrm>
+          <a:off x="0" y="0"/>
+          <a:ext cx="0" cy="0"/>
+          <a:chOff x="0" y="0"/>
+          <a:chExt cx="0" cy="0"/>
+        </a:xfrm>
+      </p:grpSpPr>
+      <p:sp>
+        <p:nvSpPr>
+          <p:cNvPr id="2" name="Slide Image Placeholder 1"/>
+          <p:cNvSpPr>
+            <a:spLocks noGrp="1" noRot="1" noChangeAspect="1"/>
+          </p:cNvSpPr>
+          <p:nvPr>
+            <p:ph type="sldImg"/>
+          </p:nvPr>
+        </p:nvSpPr>
+        <p:spPr>
+          <a:xfrm>
+            <a:off x="685800" y="1143000"/>
+            <a:ext cx="5486400" cy="3086100"/>
+          </a:xfrm>
+        </p:spPr>
+      </p:sp>
+      <p:sp>
+        <p:nvSpPr>
+          <p:cNvPr id="3" name="Notes Placeholder 2"/>
+          <p:cNvSpPr>
+            <a:spLocks noGrp="1"/>
+          </p:cNvSpPr>
+          <p:nvPr>
+            <p:ph type="body" idx="1"/>
+          </p:nvPr>
+        </p:nvSpPr>
+        <p:spPr/>
+        <p:txBody>
+          <a:bodyPr/>
+          <a:lstStyle/>
+          <a:p>
+            <a:endParaRPr lang="en-US" dirty="0"/>
+          </a:p>
+        </p:txBody>
+      </p:sp>
+      <p:sp>
+        <p:nvSpPr>
+          <p:cNvPr id="4" name="Slide Number Placeholder 3"/>
+          <p:cNvSpPr>
+            <a:spLocks noGrp="1"/>
+          </p:cNvSpPr>
+          <p:nvPr>
+            <p:ph type="sldNum" sz="quarter" idx="5"/>
+          </p:nvPr>
+        </p:nvSpPr>
+        <p:spPr/>
+        <p:txBody>
+          <a:bodyPr/>
+          <a:lstStyle/>
+          <a:p>
+            <a:fld id="{3F8BDF20-BE86-4883-8A23-4CE3D0058BEA}" type="slidenum">
+              <a:rPr lang="en-US" smtClean="0"/>
+              <a:t>17</a:t>
+            </a:fld>
+            <a:endParaRPr lang="en-US"/>
+          </a:p>
+        </p:txBody>
+      </p:sp>
+    </p:spTree>
+    <p:extLst>
+      <p:ext uri="{BB962C8B-B14F-4D97-AF65-F5344CB8AC3E}">
+        <p14:creationId xmlns:p14="http://schemas.microsoft.com/office/powerpoint/2010/main" val="2722283890"/>
+      </p:ext>
+    </p:extLst>
+  </p:cSld>
+  <p:clrMapOvr>
+    <a:masterClrMapping/>
+  </p:clrMapOvr>
+</p:notes>
+</file>
+
+<file path=ppt/notesSlides/notesSlide17.xml><?xml version="1.0" encoding="utf-8"?>
+<p:notes xmlns:a="http://schemas.openxmlformats.org/drawingml/2006/main" xmlns:r="http://schemas.openxmlformats.org/officeDocument/2006/relationships" xmlns:p="http://schemas.openxmlformats.org/presentationml/2006/main">
+  <p:cSld>
+    <p:spTree>
+      <p:nvGrpSpPr>
+        <p:cNvPr id="1" name=""/>
+        <p:cNvGrpSpPr/>
+        <p:nvPr/>
+      </p:nvGrpSpPr>
+      <p:grpSpPr>
+        <a:xfrm>
+          <a:off x="0" y="0"/>
+          <a:ext cx="0" cy="0"/>
+          <a:chOff x="0" y="0"/>
+          <a:chExt cx="0" cy="0"/>
+        </a:xfrm>
+      </p:grpSpPr>
+      <p:sp>
+        <p:nvSpPr>
+          <p:cNvPr id="2" name="Slide Image Placeholder 1"/>
+          <p:cNvSpPr>
+            <a:spLocks noGrp="1" noRot="1" noChangeAspect="1"/>
+          </p:cNvSpPr>
+          <p:nvPr>
+            <p:ph type="sldImg"/>
+          </p:nvPr>
+        </p:nvSpPr>
+        <p:spPr>
+          <a:xfrm>
+            <a:off x="685800" y="1143000"/>
+            <a:ext cx="5486400" cy="3086100"/>
+          </a:xfrm>
+        </p:spPr>
+      </p:sp>
+      <p:sp>
+        <p:nvSpPr>
+          <p:cNvPr id="3" name="Notes Placeholder 2"/>
+          <p:cNvSpPr>
+            <a:spLocks noGrp="1"/>
+          </p:cNvSpPr>
+          <p:nvPr>
+            <p:ph type="body" idx="1"/>
+          </p:nvPr>
+        </p:nvSpPr>
+        <p:spPr/>
+        <p:txBody>
+          <a:bodyPr/>
+          <a:lstStyle/>
+          <a:p>
+            <a:endParaRPr lang="en-US" dirty="0"/>
+          </a:p>
+        </p:txBody>
+      </p:sp>
+      <p:sp>
+        <p:nvSpPr>
+          <p:cNvPr id="4" name="Slide Number Placeholder 3"/>
+          <p:cNvSpPr>
+            <a:spLocks noGrp="1"/>
+          </p:cNvSpPr>
+          <p:nvPr>
+            <p:ph type="sldNum" sz="quarter" idx="5"/>
+          </p:nvPr>
+        </p:nvSpPr>
+        <p:spPr/>
+        <p:txBody>
+          <a:bodyPr/>
+          <a:lstStyle/>
+          <a:p>
+            <a:fld id="{3F8BDF20-BE86-4883-8A23-4CE3D0058BEA}" type="slidenum">
+              <a:rPr lang="en-US" smtClean="0"/>
+              <a:t>18</a:t>
+            </a:fld>
+            <a:endParaRPr lang="en-US"/>
+          </a:p>
+        </p:txBody>
+      </p:sp>
+    </p:spTree>
+    <p:extLst>
+      <p:ext uri="{BB962C8B-B14F-4D97-AF65-F5344CB8AC3E}">
+        <p14:creationId xmlns:p14="http://schemas.microsoft.com/office/powerpoint/2010/main" val="2674604940"/>
+      </p:ext>
+    </p:extLst>
+  </p:cSld>
+  <p:clrMapOvr>
+    <a:masterClrMapping/>
+  </p:clrMapOvr>
+</p:notes>
+</file>
+
+<file path=ppt/notesSlides/notesSlide18.xml><?xml version="1.0" encoding="utf-8"?>
+<p:notes xmlns:a="http://schemas.openxmlformats.org/drawingml/2006/main" xmlns:r="http://schemas.openxmlformats.org/officeDocument/2006/relationships" xmlns:p="http://schemas.openxmlformats.org/presentationml/2006/main">
+  <p:cSld>
+    <p:spTree>
+      <p:nvGrpSpPr>
+        <p:cNvPr id="1" name=""/>
+        <p:cNvGrpSpPr/>
+        <p:nvPr/>
+      </p:nvGrpSpPr>
+      <p:grpSpPr>
+        <a:xfrm>
+          <a:off x="0" y="0"/>
+          <a:ext cx="0" cy="0"/>
+          <a:chOff x="0" y="0"/>
+          <a:chExt cx="0" cy="0"/>
+        </a:xfrm>
+      </p:grpSpPr>
+      <p:sp>
+        <p:nvSpPr>
+          <p:cNvPr id="2" name="Slide Image Placeholder 1"/>
+          <p:cNvSpPr>
+            <a:spLocks noGrp="1" noRot="1" noChangeAspect="1"/>
+          </p:cNvSpPr>
+          <p:nvPr>
+            <p:ph type="sldImg"/>
+          </p:nvPr>
+        </p:nvSpPr>
+        <p:spPr>
+          <a:xfrm>
+            <a:off x="685800" y="1143000"/>
+            <a:ext cx="5486400" cy="3086100"/>
+          </a:xfrm>
+        </p:spPr>
+      </p:sp>
+      <p:sp>
+        <p:nvSpPr>
+          <p:cNvPr id="3" name="Notes Placeholder 2"/>
+          <p:cNvSpPr>
+            <a:spLocks noGrp="1"/>
+          </p:cNvSpPr>
+          <p:nvPr>
+            <p:ph type="body" idx="1"/>
+          </p:nvPr>
+        </p:nvSpPr>
+        <p:spPr/>
+        <p:txBody>
+          <a:bodyPr/>
+          <a:lstStyle/>
+          <a:p>
+            <a:endParaRPr lang="en-US" dirty="0"/>
+          </a:p>
+        </p:txBody>
+      </p:sp>
+      <p:sp>
+        <p:nvSpPr>
+          <p:cNvPr id="4" name="Slide Number Placeholder 3"/>
+          <p:cNvSpPr>
+            <a:spLocks noGrp="1"/>
+          </p:cNvSpPr>
+          <p:nvPr>
+            <p:ph type="sldNum" sz="quarter" idx="5"/>
+          </p:nvPr>
+        </p:nvSpPr>
+        <p:spPr/>
+        <p:txBody>
+          <a:bodyPr/>
+          <a:lstStyle/>
+          <a:p>
+            <a:fld id="{3F8BDF20-BE86-4883-8A23-4CE3D0058BEA}" type="slidenum">
+              <a:rPr lang="en-US" smtClean="0"/>
+              <a:t>19</a:t>
+            </a:fld>
+            <a:endParaRPr lang="en-US"/>
+          </a:p>
+        </p:txBody>
+      </p:sp>
+    </p:spTree>
+    <p:extLst>
+      <p:ext uri="{BB962C8B-B14F-4D97-AF65-F5344CB8AC3E}">
+        <p14:creationId xmlns:p14="http://schemas.microsoft.com/office/powerpoint/2010/main" val="929927792"/>
+      </p:ext>
+    </p:extLst>
+  </p:cSld>
+  <p:clrMapOvr>
+    <a:masterClrMapping/>
+  </p:clrMapOvr>
+</p:notes>
+</file>
+
 <file path=ppt/notesSlides/notesSlide2.xml><?xml version="1.0" encoding="utf-8"?>
 <p:notes xmlns:a="http://schemas.openxmlformats.org/drawingml/2006/main" xmlns:r="http://schemas.openxmlformats.org/officeDocument/2006/relationships" xmlns:p="http://schemas.openxmlformats.org/presentationml/2006/main">
   <p:cSld>
@@ -1856,7 +2216,7 @@
           <a:p>
             <a:fld id="{41748473-9145-41F0-ADB9-654A949CD218}" type="datetimeFigureOut">
               <a:rPr lang="en-US" smtClean="0"/>
-              <a:t>10/16/23</a:t>
+              <a:t>10/22/23</a:t>
             </a:fld>
             <a:endParaRPr lang="en-US"/>
           </a:p>
@@ -2026,7 +2386,7 @@
           <a:p>
             <a:fld id="{41748473-9145-41F0-ADB9-654A949CD218}" type="datetimeFigureOut">
               <a:rPr lang="en-US" smtClean="0"/>
-              <a:t>10/16/23</a:t>
+              <a:t>10/22/23</a:t>
             </a:fld>
             <a:endParaRPr lang="en-US"/>
           </a:p>
@@ -2206,7 +2566,7 @@
           <a:p>
             <a:fld id="{41748473-9145-41F0-ADB9-654A949CD218}" type="datetimeFigureOut">
               <a:rPr lang="en-US" smtClean="0"/>
-              <a:t>10/16/23</a:t>
+              <a:t>10/22/23</a:t>
             </a:fld>
             <a:endParaRPr lang="en-US"/>
           </a:p>
@@ -2376,7 +2736,7 @@
           <a:p>
             <a:fld id="{41748473-9145-41F0-ADB9-654A949CD218}" type="datetimeFigureOut">
               <a:rPr lang="en-US" smtClean="0"/>
-              <a:t>10/16/23</a:t>
+              <a:t>10/22/23</a:t>
             </a:fld>
             <a:endParaRPr lang="en-US"/>
           </a:p>
@@ -2622,7 +2982,7 @@
           <a:p>
             <a:fld id="{41748473-9145-41F0-ADB9-654A949CD218}" type="datetimeFigureOut">
               <a:rPr lang="en-US" smtClean="0"/>
-              <a:t>10/16/23</a:t>
+              <a:t>10/22/23</a:t>
             </a:fld>
             <a:endParaRPr lang="en-US"/>
           </a:p>
@@ -2854,7 +3214,7 @@
           <a:p>
             <a:fld id="{41748473-9145-41F0-ADB9-654A949CD218}" type="datetimeFigureOut">
               <a:rPr lang="en-US" smtClean="0"/>
-              <a:t>10/16/23</a:t>
+              <a:t>10/22/23</a:t>
             </a:fld>
             <a:endParaRPr lang="en-US"/>
           </a:p>
@@ -3221,7 +3581,7 @@
           <a:p>
             <a:fld id="{41748473-9145-41F0-ADB9-654A949CD218}" type="datetimeFigureOut">
               <a:rPr lang="en-US" smtClean="0"/>
-              <a:t>10/16/23</a:t>
+              <a:t>10/22/23</a:t>
             </a:fld>
             <a:endParaRPr lang="en-US"/>
           </a:p>
@@ -3339,7 +3699,7 @@
           <a:p>
             <a:fld id="{41748473-9145-41F0-ADB9-654A949CD218}" type="datetimeFigureOut">
               <a:rPr lang="en-US" smtClean="0"/>
-              <a:t>10/16/23</a:t>
+              <a:t>10/22/23</a:t>
             </a:fld>
             <a:endParaRPr lang="en-US"/>
           </a:p>
@@ -3434,7 +3794,7 @@
           <a:p>
             <a:fld id="{41748473-9145-41F0-ADB9-654A949CD218}" type="datetimeFigureOut">
               <a:rPr lang="en-US" smtClean="0"/>
-              <a:t>10/16/23</a:t>
+              <a:t>10/22/23</a:t>
             </a:fld>
             <a:endParaRPr lang="en-US"/>
           </a:p>
@@ -3711,7 +4071,7 @@
           <a:p>
             <a:fld id="{41748473-9145-41F0-ADB9-654A949CD218}" type="datetimeFigureOut">
               <a:rPr lang="en-US" smtClean="0"/>
-              <a:t>10/16/23</a:t>
+              <a:t>10/22/23</a:t>
             </a:fld>
             <a:endParaRPr lang="en-US"/>
           </a:p>
@@ -3968,7 +4328,7 @@
           <a:p>
             <a:fld id="{41748473-9145-41F0-ADB9-654A949CD218}" type="datetimeFigureOut">
               <a:rPr lang="en-US" smtClean="0"/>
-              <a:t>10/16/23</a:t>
+              <a:t>10/22/23</a:t>
             </a:fld>
             <a:endParaRPr lang="en-US"/>
           </a:p>
@@ -4181,7 +4541,7 @@
           <a:p>
             <a:fld id="{41748473-9145-41F0-ADB9-654A949CD218}" type="datetimeFigureOut">
               <a:rPr lang="en-US" smtClean="0"/>
-              <a:t>10/16/23</a:t>
+              <a:t>10/22/23</a:t>
             </a:fld>
             <a:endParaRPr lang="en-US"/>
           </a:p>
@@ -5682,8 +6042,8 @@
           </a:prstGeom>
         </p:spPr>
       </p:pic>
-      <mc:AlternateContent xmlns:mc="http://schemas.openxmlformats.org/markup-compatibility/2006">
-        <mc:Choice xmlns:a14="http://schemas.microsoft.com/office/drawing/2010/main" Requires="a14">
+      <mc:AlternateContent xmlns:mc="http://schemas.openxmlformats.org/markup-compatibility/2006" xmlns:a14="http://schemas.microsoft.com/office/drawing/2010/main">
+        <mc:Choice Requires="a14">
           <p:sp>
             <p:nvSpPr>
               <p:cNvPr id="8" name="TextBox 7">
@@ -5765,7 +6125,7 @@
             </p:txBody>
           </p:sp>
         </mc:Choice>
-        <mc:Fallback>
+        <mc:Fallback xmlns="">
           <p:sp>
             <p:nvSpPr>
               <p:cNvPr id="8" name="TextBox 7">
@@ -5810,8 +6170,8 @@
           </p:sp>
         </mc:Fallback>
       </mc:AlternateContent>
-      <mc:AlternateContent xmlns:mc="http://schemas.openxmlformats.org/markup-compatibility/2006">
-        <mc:Choice xmlns:a14="http://schemas.microsoft.com/office/drawing/2010/main" Requires="a14">
+      <mc:AlternateContent xmlns:mc="http://schemas.openxmlformats.org/markup-compatibility/2006" xmlns:a14="http://schemas.microsoft.com/office/drawing/2010/main">
+        <mc:Choice Requires="a14">
           <p:sp>
             <p:nvSpPr>
               <p:cNvPr id="9" name="TextBox 8">
@@ -5907,7 +6267,7 @@
             </p:txBody>
           </p:sp>
         </mc:Choice>
-        <mc:Fallback>
+        <mc:Fallback xmlns="">
           <p:sp>
             <p:nvSpPr>
               <p:cNvPr id="9" name="TextBox 8">
@@ -5984,10 +6344,553 @@
       </p:grpSpPr>
       <p:sp>
         <p:nvSpPr>
-          <p:cNvPr id="10" name="TextBox 9">
+          <p:cNvPr id="2" name="Title 1"/>
+          <p:cNvSpPr>
+            <a:spLocks noGrp="1"/>
+          </p:cNvSpPr>
+          <p:nvPr>
+            <p:ph type="title"/>
+          </p:nvPr>
+        </p:nvSpPr>
+        <p:spPr>
+          <a:xfrm>
+            <a:off x="838200" y="365126"/>
+            <a:ext cx="10515600" cy="981894"/>
+          </a:xfrm>
+        </p:spPr>
+        <p:txBody>
+          <a:bodyPr>
+            <a:normAutofit/>
+          </a:bodyPr>
+          <a:lstStyle/>
+          <a:p>
+            <a:r>
+              <a:rPr lang="en-US" dirty="0"/>
+              <a:t>Radial Kernel    </a:t>
+            </a:r>
+          </a:p>
+        </p:txBody>
+      </p:sp>
+      <mc:AlternateContent xmlns:mc="http://schemas.openxmlformats.org/markup-compatibility/2006">
+        <mc:Choice xmlns:a14="http://schemas.microsoft.com/office/drawing/2010/main" Requires="a14">
+          <p:sp>
+            <p:nvSpPr>
+              <p:cNvPr id="8" name="TextBox 7">
+                <a:extLst>
+                  <a:ext uri="{FF2B5EF4-FFF2-40B4-BE49-F238E27FC236}">
+                    <a16:creationId xmlns:a16="http://schemas.microsoft.com/office/drawing/2014/main" id="{543162EB-656D-1562-25AA-78ADB588440C}"/>
+                  </a:ext>
+                </a:extLst>
+              </p:cNvPr>
+              <p:cNvSpPr txBox="1"/>
+              <p:nvPr/>
+            </p:nvSpPr>
+            <p:spPr>
+              <a:xfrm>
+                <a:off x="994889" y="4814007"/>
+                <a:ext cx="4095726" cy="954107"/>
+              </a:xfrm>
+              <a:prstGeom prst="rect">
+                <a:avLst/>
+              </a:prstGeom>
+              <a:noFill/>
+            </p:spPr>
+            <p:txBody>
+              <a:bodyPr wrap="square">
+                <a:spAutoFit/>
+              </a:bodyPr>
+              <a:lstStyle/>
+              <a:p>
+                <a:r>
+                  <a:rPr lang="en-US" altLang="zh-CN" sz="2800" dirty="0"/>
+                  <a:t>The kernel is large when </a:t>
+                </a:r>
+                <a14:m>
+                  <m:oMath xmlns:m="http://schemas.openxmlformats.org/officeDocument/2006/math">
+                    <m:r>
+                      <a:rPr lang="en-US" altLang="zh-CN" sz="2800" b="0" i="1" smtClean="0">
+                        <a:latin typeface="Cambria Math" panose="02040503050406030204" pitchFamily="18" charset="0"/>
+                      </a:rPr>
+                      <m:t>𝑥</m:t>
+                    </m:r>
+                  </m:oMath>
+                </a14:m>
+                <a:r>
+                  <a:rPr lang="en-US" altLang="zh-CN" sz="2800" dirty="0"/>
+                  <a:t> is close to </a:t>
+                </a:r>
+                <a14:m>
+                  <m:oMath xmlns:m="http://schemas.openxmlformats.org/officeDocument/2006/math">
+                    <m:sSub>
+                      <m:sSubPr>
+                        <m:ctrlPr>
+                          <a:rPr lang="en-US" altLang="zh-CN" sz="2800" b="0" i="1" smtClean="0">
+                            <a:latin typeface="Cambria Math" panose="02040503050406030204" pitchFamily="18" charset="0"/>
+                          </a:rPr>
+                        </m:ctrlPr>
+                      </m:sSubPr>
+                      <m:e>
+                        <m:r>
+                          <a:rPr lang="en-US" altLang="zh-CN" sz="2800" b="0" i="1" smtClean="0">
+                            <a:latin typeface="Cambria Math" panose="02040503050406030204" pitchFamily="18" charset="0"/>
+                          </a:rPr>
+                          <m:t>𝑥</m:t>
+                        </m:r>
+                      </m:e>
+                      <m:sub>
+                        <m:r>
+                          <a:rPr lang="en-US" altLang="zh-CN" sz="2800" b="0" i="1" smtClean="0">
+                            <a:latin typeface="Cambria Math" panose="02040503050406030204" pitchFamily="18" charset="0"/>
+                          </a:rPr>
+                          <m:t>𝑖</m:t>
+                        </m:r>
+                      </m:sub>
+                    </m:sSub>
+                  </m:oMath>
+                </a14:m>
+                <a:endParaRPr lang="en-US" altLang="zh-CN" sz="2800" dirty="0"/>
+              </a:p>
+            </p:txBody>
+          </p:sp>
+        </mc:Choice>
+        <mc:Fallback>
+          <p:sp>
+            <p:nvSpPr>
+              <p:cNvPr id="8" name="TextBox 7">
+                <a:extLst>
+                  <a:ext uri="{FF2B5EF4-FFF2-40B4-BE49-F238E27FC236}">
+                    <a16:creationId xmlns:a16="http://schemas.microsoft.com/office/drawing/2014/main" id="{543162EB-656D-1562-25AA-78ADB588440C}"/>
+                  </a:ext>
+                </a:extLst>
+              </p:cNvPr>
+              <p:cNvSpPr txBox="1">
+                <a:spLocks noRot="1" noChangeAspect="1" noMove="1" noResize="1" noEditPoints="1" noAdjustHandles="1" noChangeArrowheads="1" noChangeShapeType="1" noTextEdit="1"/>
+              </p:cNvSpPr>
+              <p:nvPr/>
+            </p:nvSpPr>
+            <p:spPr>
+              <a:xfrm>
+                <a:off x="994889" y="4814007"/>
+                <a:ext cx="4095726" cy="954107"/>
+              </a:xfrm>
+              <a:prstGeom prst="rect">
+                <a:avLst/>
+              </a:prstGeom>
+              <a:blipFill>
+                <a:blip r:embed="rId3"/>
+                <a:stretch>
+                  <a:fillRect l="-3096" t="-7895" b="-17105"/>
+                </a:stretch>
+              </a:blipFill>
+            </p:spPr>
+            <p:txBody>
+              <a:bodyPr/>
+              <a:lstStyle/>
+              <a:p>
+                <a:r>
+                  <a:rPr lang="en-US">
+                    <a:noFill/>
+                  </a:rPr>
+                  <a:t> </a:t>
+                </a:r>
+              </a:p>
+            </p:txBody>
+          </p:sp>
+        </mc:Fallback>
+      </mc:AlternateContent>
+      <p:pic>
+        <p:nvPicPr>
+          <p:cNvPr id="3" name="Picture 2">
             <a:extLst>
               <a:ext uri="{FF2B5EF4-FFF2-40B4-BE49-F238E27FC236}">
-                <a16:creationId xmlns:a16="http://schemas.microsoft.com/office/drawing/2014/main" id="{514E73AD-7A38-9D42-8C4C-ADC0FDE0FBC3}"/>
+                <a16:creationId xmlns:a16="http://schemas.microsoft.com/office/drawing/2014/main" id="{805742D8-6B90-ECAC-A861-DE19DDB89AD3}"/>
+              </a:ext>
+            </a:extLst>
+          </p:cNvPr>
+          <p:cNvPicPr>
+            <a:picLocks noChangeAspect="1"/>
+          </p:cNvPicPr>
+          <p:nvPr/>
+        </p:nvPicPr>
+        <p:blipFill>
+          <a:blip r:embed="rId4"/>
+          <a:stretch>
+            <a:fillRect/>
+          </a:stretch>
+        </p:blipFill>
+        <p:spPr>
+          <a:xfrm>
+            <a:off x="838200" y="3068010"/>
+            <a:ext cx="5020949" cy="1148861"/>
+          </a:xfrm>
+          <a:prstGeom prst="rect">
+            <a:avLst/>
+          </a:prstGeom>
+        </p:spPr>
+      </p:pic>
+      <p:pic>
+        <p:nvPicPr>
+          <p:cNvPr id="6" name="Picture 5">
+            <a:extLst>
+              <a:ext uri="{FF2B5EF4-FFF2-40B4-BE49-F238E27FC236}">
+                <a16:creationId xmlns:a16="http://schemas.microsoft.com/office/drawing/2014/main" id="{E7BD83E0-830A-D4F1-DBA3-B037020BEBC7}"/>
+              </a:ext>
+            </a:extLst>
+          </p:cNvPr>
+          <p:cNvPicPr>
+            <a:picLocks noChangeAspect="1"/>
+          </p:cNvPicPr>
+          <p:nvPr/>
+        </p:nvPicPr>
+        <p:blipFill>
+          <a:blip r:embed="rId5"/>
+          <a:stretch>
+            <a:fillRect/>
+          </a:stretch>
+        </p:blipFill>
+        <p:spPr>
+          <a:xfrm>
+            <a:off x="994889" y="1744837"/>
+            <a:ext cx="3524063" cy="902504"/>
+          </a:xfrm>
+          <a:prstGeom prst="rect">
+            <a:avLst/>
+          </a:prstGeom>
+        </p:spPr>
+      </p:pic>
+      <p:pic>
+        <p:nvPicPr>
+          <p:cNvPr id="7" name="Picture 6">
+            <a:extLst>
+              <a:ext uri="{FF2B5EF4-FFF2-40B4-BE49-F238E27FC236}">
+                <a16:creationId xmlns:a16="http://schemas.microsoft.com/office/drawing/2014/main" id="{6B70BC44-1543-208F-7947-850EF06BA371}"/>
+              </a:ext>
+            </a:extLst>
+          </p:cNvPr>
+          <p:cNvPicPr>
+            <a:picLocks noChangeAspect="1"/>
+          </p:cNvPicPr>
+          <p:nvPr/>
+        </p:nvPicPr>
+        <p:blipFill>
+          <a:blip r:embed="rId6"/>
+          <a:stretch>
+            <a:fillRect/>
+          </a:stretch>
+        </p:blipFill>
+        <p:spPr>
+          <a:xfrm>
+            <a:off x="5859149" y="805218"/>
+            <a:ext cx="5681111" cy="5536062"/>
+          </a:xfrm>
+          <a:prstGeom prst="rect">
+            <a:avLst/>
+          </a:prstGeom>
+        </p:spPr>
+      </p:pic>
+    </p:spTree>
+    <p:extLst>
+      <p:ext uri="{BB962C8B-B14F-4D97-AF65-F5344CB8AC3E}">
+        <p14:creationId xmlns:p14="http://schemas.microsoft.com/office/powerpoint/2010/main" val="283083381"/>
+      </p:ext>
+    </p:extLst>
+  </p:cSld>
+  <p:clrMapOvr>
+    <a:masterClrMapping/>
+  </p:clrMapOvr>
+</p:sld>
+</file>
+
+<file path=ppt/slides/slide17.xml><?xml version="1.0" encoding="utf-8"?>
+<p:sld xmlns:a="http://schemas.openxmlformats.org/drawingml/2006/main" xmlns:r="http://schemas.openxmlformats.org/officeDocument/2006/relationships" xmlns:p="http://schemas.openxmlformats.org/presentationml/2006/main">
+  <p:cSld>
+    <p:spTree>
+      <p:nvGrpSpPr>
+        <p:cNvPr id="1" name=""/>
+        <p:cNvGrpSpPr/>
+        <p:nvPr/>
+      </p:nvGrpSpPr>
+      <p:grpSpPr>
+        <a:xfrm>
+          <a:off x="0" y="0"/>
+          <a:ext cx="0" cy="0"/>
+          <a:chOff x="0" y="0"/>
+          <a:chExt cx="0" cy="0"/>
+        </a:xfrm>
+      </p:grpSpPr>
+      <p:sp>
+        <p:nvSpPr>
+          <p:cNvPr id="2" name="Title 1"/>
+          <p:cNvSpPr>
+            <a:spLocks noGrp="1"/>
+          </p:cNvSpPr>
+          <p:nvPr>
+            <p:ph type="title"/>
+          </p:nvPr>
+        </p:nvSpPr>
+        <p:spPr>
+          <a:xfrm>
+            <a:off x="838200" y="365126"/>
+            <a:ext cx="10515600" cy="981894"/>
+          </a:xfrm>
+        </p:spPr>
+        <p:txBody>
+          <a:bodyPr>
+            <a:normAutofit/>
+          </a:bodyPr>
+          <a:lstStyle/>
+          <a:p>
+            <a:r>
+              <a:rPr lang="en-US" dirty="0"/>
+              <a:t>Multi-Class SVM</a:t>
+            </a:r>
+          </a:p>
+        </p:txBody>
+      </p:sp>
+      <p:pic>
+        <p:nvPicPr>
+          <p:cNvPr id="4" name="Picture 3">
+            <a:extLst>
+              <a:ext uri="{FF2B5EF4-FFF2-40B4-BE49-F238E27FC236}">
+                <a16:creationId xmlns:a16="http://schemas.microsoft.com/office/drawing/2014/main" id="{7F0150BC-4450-9C1F-97FF-7E3411E95AC1}"/>
+              </a:ext>
+            </a:extLst>
+          </p:cNvPr>
+          <p:cNvPicPr>
+            <a:picLocks noChangeAspect="1"/>
+          </p:cNvPicPr>
+          <p:nvPr/>
+        </p:nvPicPr>
+        <p:blipFill>
+          <a:blip r:embed="rId3"/>
+          <a:stretch>
+            <a:fillRect/>
+          </a:stretch>
+        </p:blipFill>
+        <p:spPr>
+          <a:xfrm>
+            <a:off x="1041399" y="1674693"/>
+            <a:ext cx="9304605" cy="981893"/>
+          </a:xfrm>
+          <a:prstGeom prst="rect">
+            <a:avLst/>
+          </a:prstGeom>
+        </p:spPr>
+      </p:pic>
+      <p:pic>
+        <p:nvPicPr>
+          <p:cNvPr id="5" name="Picture 4">
+            <a:extLst>
+              <a:ext uri="{FF2B5EF4-FFF2-40B4-BE49-F238E27FC236}">
+                <a16:creationId xmlns:a16="http://schemas.microsoft.com/office/drawing/2014/main" id="{3D8654C8-7AA9-1316-8E66-A260B18673EC}"/>
+              </a:ext>
+            </a:extLst>
+          </p:cNvPr>
+          <p:cNvPicPr>
+            <a:picLocks noChangeAspect="1"/>
+          </p:cNvPicPr>
+          <p:nvPr/>
+        </p:nvPicPr>
+        <p:blipFill>
+          <a:blip r:embed="rId4"/>
+          <a:stretch>
+            <a:fillRect/>
+          </a:stretch>
+        </p:blipFill>
+        <p:spPr>
+          <a:xfrm>
+            <a:off x="1041399" y="3429000"/>
+            <a:ext cx="8907819" cy="1953469"/>
+          </a:xfrm>
+          <a:prstGeom prst="rect">
+            <a:avLst/>
+          </a:prstGeom>
+        </p:spPr>
+      </p:pic>
+    </p:spTree>
+    <p:extLst>
+      <p:ext uri="{BB962C8B-B14F-4D97-AF65-F5344CB8AC3E}">
+        <p14:creationId xmlns:p14="http://schemas.microsoft.com/office/powerpoint/2010/main" val="471531549"/>
+      </p:ext>
+    </p:extLst>
+  </p:cSld>
+  <p:clrMapOvr>
+    <a:masterClrMapping/>
+  </p:clrMapOvr>
+</p:sld>
+</file>
+
+<file path=ppt/slides/slide18.xml><?xml version="1.0" encoding="utf-8"?>
+<p:sld xmlns:a="http://schemas.openxmlformats.org/drawingml/2006/main" xmlns:r="http://schemas.openxmlformats.org/officeDocument/2006/relationships" xmlns:p="http://schemas.openxmlformats.org/presentationml/2006/main">
+  <p:cSld>
+    <p:spTree>
+      <p:nvGrpSpPr>
+        <p:cNvPr id="1" name=""/>
+        <p:cNvGrpSpPr/>
+        <p:nvPr/>
+      </p:nvGrpSpPr>
+      <p:grpSpPr>
+        <a:xfrm>
+          <a:off x="0" y="0"/>
+          <a:ext cx="0" cy="0"/>
+          <a:chOff x="0" y="0"/>
+          <a:chExt cx="0" cy="0"/>
+        </a:xfrm>
+      </p:grpSpPr>
+      <p:sp>
+        <p:nvSpPr>
+          <p:cNvPr id="2" name="Title 1"/>
+          <p:cNvSpPr>
+            <a:spLocks noGrp="1"/>
+          </p:cNvSpPr>
+          <p:nvPr>
+            <p:ph type="title"/>
+          </p:nvPr>
+        </p:nvSpPr>
+        <p:spPr>
+          <a:xfrm>
+            <a:off x="838200" y="365126"/>
+            <a:ext cx="10515600" cy="981894"/>
+          </a:xfrm>
+        </p:spPr>
+        <p:txBody>
+          <a:bodyPr>
+            <a:normAutofit/>
+          </a:bodyPr>
+          <a:lstStyle/>
+          <a:p>
+            <a:r>
+              <a:rPr lang="en-US" dirty="0"/>
+              <a:t>Multi-Class SVM</a:t>
+            </a:r>
+          </a:p>
+        </p:txBody>
+      </p:sp>
+      <p:pic>
+        <p:nvPicPr>
+          <p:cNvPr id="4" name="Picture 3">
+            <a:extLst>
+              <a:ext uri="{FF2B5EF4-FFF2-40B4-BE49-F238E27FC236}">
+                <a16:creationId xmlns:a16="http://schemas.microsoft.com/office/drawing/2014/main" id="{7F0150BC-4450-9C1F-97FF-7E3411E95AC1}"/>
+              </a:ext>
+            </a:extLst>
+          </p:cNvPr>
+          <p:cNvPicPr>
+            <a:picLocks noChangeAspect="1"/>
+          </p:cNvPicPr>
+          <p:nvPr/>
+        </p:nvPicPr>
+        <p:blipFill>
+          <a:blip r:embed="rId3"/>
+          <a:stretch>
+            <a:fillRect/>
+          </a:stretch>
+        </p:blipFill>
+        <p:spPr>
+          <a:xfrm>
+            <a:off x="1041399" y="1674693"/>
+            <a:ext cx="9304605" cy="981893"/>
+          </a:xfrm>
+          <a:prstGeom prst="rect">
+            <a:avLst/>
+          </a:prstGeom>
+        </p:spPr>
+      </p:pic>
+      <p:pic>
+        <p:nvPicPr>
+          <p:cNvPr id="3" name="Picture 2">
+            <a:extLst>
+              <a:ext uri="{FF2B5EF4-FFF2-40B4-BE49-F238E27FC236}">
+                <a16:creationId xmlns:a16="http://schemas.microsoft.com/office/drawing/2014/main" id="{4EEBC4AE-0F65-04B2-B1D6-9523B6FD636A}"/>
+              </a:ext>
+            </a:extLst>
+          </p:cNvPr>
+          <p:cNvPicPr>
+            <a:picLocks noChangeAspect="1"/>
+          </p:cNvPicPr>
+          <p:nvPr/>
+        </p:nvPicPr>
+        <p:blipFill>
+          <a:blip r:embed="rId4"/>
+          <a:stretch>
+            <a:fillRect/>
+          </a:stretch>
+        </p:blipFill>
+        <p:spPr>
+          <a:xfrm>
+            <a:off x="1155061" y="3567013"/>
+            <a:ext cx="8616735" cy="1444282"/>
+          </a:xfrm>
+          <a:prstGeom prst="rect">
+            <a:avLst/>
+          </a:prstGeom>
+        </p:spPr>
+      </p:pic>
+    </p:spTree>
+    <p:extLst>
+      <p:ext uri="{BB962C8B-B14F-4D97-AF65-F5344CB8AC3E}">
+        <p14:creationId xmlns:p14="http://schemas.microsoft.com/office/powerpoint/2010/main" val="1282574551"/>
+      </p:ext>
+    </p:extLst>
+  </p:cSld>
+  <p:clrMapOvr>
+    <a:masterClrMapping/>
+  </p:clrMapOvr>
+</p:sld>
+</file>
+
+<file path=ppt/slides/slide19.xml><?xml version="1.0" encoding="utf-8"?>
+<p:sld xmlns:a="http://schemas.openxmlformats.org/drawingml/2006/main" xmlns:r="http://schemas.openxmlformats.org/officeDocument/2006/relationships" xmlns:p="http://schemas.openxmlformats.org/presentationml/2006/main">
+  <p:cSld>
+    <p:spTree>
+      <p:nvGrpSpPr>
+        <p:cNvPr id="1" name=""/>
+        <p:cNvGrpSpPr/>
+        <p:nvPr/>
+      </p:nvGrpSpPr>
+      <p:grpSpPr>
+        <a:xfrm>
+          <a:off x="0" y="0"/>
+          <a:ext cx="0" cy="0"/>
+          <a:chOff x="0" y="0"/>
+          <a:chExt cx="0" cy="0"/>
+        </a:xfrm>
+      </p:grpSpPr>
+      <p:sp>
+        <p:nvSpPr>
+          <p:cNvPr id="2" name="Title 1"/>
+          <p:cNvSpPr>
+            <a:spLocks noGrp="1"/>
+          </p:cNvSpPr>
+          <p:nvPr>
+            <p:ph type="title"/>
+          </p:nvPr>
+        </p:nvSpPr>
+        <p:spPr>
+          <a:xfrm>
+            <a:off x="838200" y="365126"/>
+            <a:ext cx="10515600" cy="981894"/>
+          </a:xfrm>
+        </p:spPr>
+        <p:txBody>
+          <a:bodyPr>
+            <a:normAutofit/>
+          </a:bodyPr>
+          <a:lstStyle/>
+          <a:p>
+            <a:r>
+              <a:rPr lang="en-US" dirty="0"/>
+              <a:t>Support Vector vs Logistic Regression </a:t>
+            </a:r>
+          </a:p>
+        </p:txBody>
+      </p:sp>
+      <p:sp>
+        <p:nvSpPr>
+          <p:cNvPr id="5" name="TextBox 4">
+            <a:extLst>
+              <a:ext uri="{FF2B5EF4-FFF2-40B4-BE49-F238E27FC236}">
+                <a16:creationId xmlns:a16="http://schemas.microsoft.com/office/drawing/2014/main" id="{1D99ADF4-060E-2981-DC89-5F6EFDE019E3}"/>
               </a:ext>
             </a:extLst>
           </p:cNvPr>
@@ -5996,8 +6899,8 @@
         </p:nvSpPr>
         <p:spPr>
           <a:xfrm>
-            <a:off x="4792980" y="2601575"/>
-            <a:ext cx="5951220" cy="1077218"/>
+            <a:off x="838200" y="1729612"/>
+            <a:ext cx="9329383" cy="954107"/>
           </a:xfrm>
           <a:prstGeom prst="rect">
             <a:avLst/>
@@ -6011,8 +6914,113 @@
           <a:lstStyle/>
           <a:p>
             <a:r>
-              <a:rPr lang="en-US" sz="6400" dirty="0"/>
-              <a:t>Q &amp; A</a:t>
+              <a:rPr lang="en-US" altLang="zh-CN" sz="2800" dirty="0"/>
+              <a:t>When classes are (nearly) separable, SVM does better than LR. So does LDA. </a:t>
+            </a:r>
+          </a:p>
+        </p:txBody>
+      </p:sp>
+      <p:sp>
+        <p:nvSpPr>
+          <p:cNvPr id="6" name="TextBox 5">
+            <a:extLst>
+              <a:ext uri="{FF2B5EF4-FFF2-40B4-BE49-F238E27FC236}">
+                <a16:creationId xmlns:a16="http://schemas.microsoft.com/office/drawing/2014/main" id="{0D5DEED0-A816-804D-38DD-A0D7235FE831}"/>
+              </a:ext>
+            </a:extLst>
+          </p:cNvPr>
+          <p:cNvSpPr txBox="1"/>
+          <p:nvPr/>
+        </p:nvSpPr>
+        <p:spPr>
+          <a:xfrm>
+            <a:off x="838200" y="2905780"/>
+            <a:ext cx="9329383" cy="523220"/>
+          </a:xfrm>
+          <a:prstGeom prst="rect">
+            <a:avLst/>
+          </a:prstGeom>
+          <a:noFill/>
+        </p:spPr>
+        <p:txBody>
+          <a:bodyPr wrap="square">
+            <a:spAutoFit/>
+          </a:bodyPr>
+          <a:lstStyle/>
+          <a:p>
+            <a:r>
+              <a:rPr lang="en-US" altLang="zh-CN" sz="2800" dirty="0"/>
+              <a:t>When not, LR (with ridge penalty) and SVM very similar. </a:t>
+            </a:r>
+          </a:p>
+        </p:txBody>
+      </p:sp>
+      <p:sp>
+        <p:nvSpPr>
+          <p:cNvPr id="7" name="TextBox 6">
+            <a:extLst>
+              <a:ext uri="{FF2B5EF4-FFF2-40B4-BE49-F238E27FC236}">
+                <a16:creationId xmlns:a16="http://schemas.microsoft.com/office/drawing/2014/main" id="{644D58A7-D06A-E8A6-D4B0-262A798EE601}"/>
+              </a:ext>
+            </a:extLst>
+          </p:cNvPr>
+          <p:cNvSpPr txBox="1"/>
+          <p:nvPr/>
+        </p:nvSpPr>
+        <p:spPr>
+          <a:xfrm>
+            <a:off x="838200" y="3815827"/>
+            <a:ext cx="9329383" cy="523220"/>
+          </a:xfrm>
+          <a:prstGeom prst="rect">
+            <a:avLst/>
+          </a:prstGeom>
+          <a:noFill/>
+        </p:spPr>
+        <p:txBody>
+          <a:bodyPr wrap="square">
+            <a:spAutoFit/>
+          </a:bodyPr>
+          <a:lstStyle/>
+          <a:p>
+            <a:r>
+              <a:rPr lang="en-US" altLang="zh-CN" sz="2800" dirty="0"/>
+              <a:t>If you wish to estimate probabilities, LR is the choice. </a:t>
+            </a:r>
+          </a:p>
+        </p:txBody>
+      </p:sp>
+      <p:sp>
+        <p:nvSpPr>
+          <p:cNvPr id="8" name="TextBox 7">
+            <a:extLst>
+              <a:ext uri="{FF2B5EF4-FFF2-40B4-BE49-F238E27FC236}">
+                <a16:creationId xmlns:a16="http://schemas.microsoft.com/office/drawing/2014/main" id="{4B0B72E5-7AA9-8975-F94E-7DD12EC6B237}"/>
+              </a:ext>
+            </a:extLst>
+          </p:cNvPr>
+          <p:cNvSpPr txBox="1"/>
+          <p:nvPr/>
+        </p:nvSpPr>
+        <p:spPr>
+          <a:xfrm>
+            <a:off x="838200" y="4868979"/>
+            <a:ext cx="10515600" cy="954107"/>
+          </a:xfrm>
+          <a:prstGeom prst="rect">
+            <a:avLst/>
+          </a:prstGeom>
+          <a:noFill/>
+        </p:spPr>
+        <p:txBody>
+          <a:bodyPr wrap="square">
+            <a:spAutoFit/>
+          </a:bodyPr>
+          <a:lstStyle/>
+          <a:p>
+            <a:r>
+              <a:rPr lang="en-US" altLang="zh-CN" sz="2800" dirty="0"/>
+              <a:t>For nonlinear boundaries, kernel SVMs are popular. Can use kernels with LR and LDA as well, but computations are more expensive. </a:t>
             </a:r>
           </a:p>
         </p:txBody>
@@ -6020,7 +7028,7 @@
     </p:spTree>
     <p:extLst>
       <p:ext uri="{BB962C8B-B14F-4D97-AF65-F5344CB8AC3E}">
-        <p14:creationId xmlns:p14="http://schemas.microsoft.com/office/powerpoint/2010/main" val="1222215017"/>
+        <p14:creationId xmlns:p14="http://schemas.microsoft.com/office/powerpoint/2010/main" val="148140793"/>
       </p:ext>
     </p:extLst>
   </p:cSld>
@@ -6235,6 +7243,71 @@
     <p:extLst>
       <p:ext uri="{BB962C8B-B14F-4D97-AF65-F5344CB8AC3E}">
         <p14:creationId xmlns:p14="http://schemas.microsoft.com/office/powerpoint/2010/main" val="2016356908"/>
+      </p:ext>
+    </p:extLst>
+  </p:cSld>
+  <p:clrMapOvr>
+    <a:masterClrMapping/>
+  </p:clrMapOvr>
+</p:sld>
+</file>
+
+<file path=ppt/slides/slide20.xml><?xml version="1.0" encoding="utf-8"?>
+<p:sld xmlns:a="http://schemas.openxmlformats.org/drawingml/2006/main" xmlns:r="http://schemas.openxmlformats.org/officeDocument/2006/relationships" xmlns:p="http://schemas.openxmlformats.org/presentationml/2006/main">
+  <p:cSld>
+    <p:spTree>
+      <p:nvGrpSpPr>
+        <p:cNvPr id="1" name=""/>
+        <p:cNvGrpSpPr/>
+        <p:nvPr/>
+      </p:nvGrpSpPr>
+      <p:grpSpPr>
+        <a:xfrm>
+          <a:off x="0" y="0"/>
+          <a:ext cx="0" cy="0"/>
+          <a:chOff x="0" y="0"/>
+          <a:chExt cx="0" cy="0"/>
+        </a:xfrm>
+      </p:grpSpPr>
+      <p:sp>
+        <p:nvSpPr>
+          <p:cNvPr id="10" name="TextBox 9">
+            <a:extLst>
+              <a:ext uri="{FF2B5EF4-FFF2-40B4-BE49-F238E27FC236}">
+                <a16:creationId xmlns:a16="http://schemas.microsoft.com/office/drawing/2014/main" id="{514E73AD-7A38-9D42-8C4C-ADC0FDE0FBC3}"/>
+              </a:ext>
+            </a:extLst>
+          </p:cNvPr>
+          <p:cNvSpPr txBox="1"/>
+          <p:nvPr/>
+        </p:nvSpPr>
+        <p:spPr>
+          <a:xfrm>
+            <a:off x="4792980" y="2601575"/>
+            <a:ext cx="5951220" cy="1077218"/>
+          </a:xfrm>
+          <a:prstGeom prst="rect">
+            <a:avLst/>
+          </a:prstGeom>
+          <a:noFill/>
+        </p:spPr>
+        <p:txBody>
+          <a:bodyPr wrap="square">
+            <a:spAutoFit/>
+          </a:bodyPr>
+          <a:lstStyle/>
+          <a:p>
+            <a:r>
+              <a:rPr lang="en-US" sz="6400" dirty="0"/>
+              <a:t>Q &amp; A</a:t>
+            </a:r>
+          </a:p>
+        </p:txBody>
+      </p:sp>
+    </p:spTree>
+    <p:extLst>
+      <p:ext uri="{BB962C8B-B14F-4D97-AF65-F5344CB8AC3E}">
+        <p14:creationId xmlns:p14="http://schemas.microsoft.com/office/powerpoint/2010/main" val="1222215017"/>
       </p:ext>
     </p:extLst>
   </p:cSld>

--- a/_umkc-teaching/slides/Lecture10.pptx
+++ b/_umkc-teaching/slides/Lecture10.pptx
@@ -5,7 +5,7 @@
     <p:sldMasterId id="2147483660" r:id="rId1"/>
   </p:sldMasterIdLst>
   <p:notesMasterIdLst>
-    <p:notesMasterId r:id="rId22"/>
+    <p:notesMasterId r:id="rId23"/>
   </p:notesMasterIdLst>
   <p:sldIdLst>
     <p:sldId id="257" r:id="rId2"/>
@@ -17,17 +17,18 @@
     <p:sldId id="392" r:id="rId8"/>
     <p:sldId id="393" r:id="rId9"/>
     <p:sldId id="395" r:id="rId10"/>
-    <p:sldId id="394" r:id="rId11"/>
-    <p:sldId id="396" r:id="rId12"/>
-    <p:sldId id="397" r:id="rId13"/>
-    <p:sldId id="398" r:id="rId14"/>
-    <p:sldId id="399" r:id="rId15"/>
-    <p:sldId id="400" r:id="rId16"/>
-    <p:sldId id="401" r:id="rId17"/>
-    <p:sldId id="402" r:id="rId18"/>
-    <p:sldId id="403" r:id="rId19"/>
-    <p:sldId id="404" r:id="rId20"/>
-    <p:sldId id="325" r:id="rId21"/>
+    <p:sldId id="405" r:id="rId11"/>
+    <p:sldId id="394" r:id="rId12"/>
+    <p:sldId id="396" r:id="rId13"/>
+    <p:sldId id="397" r:id="rId14"/>
+    <p:sldId id="398" r:id="rId15"/>
+    <p:sldId id="399" r:id="rId16"/>
+    <p:sldId id="400" r:id="rId17"/>
+    <p:sldId id="401" r:id="rId18"/>
+    <p:sldId id="402" r:id="rId19"/>
+    <p:sldId id="403" r:id="rId20"/>
+    <p:sldId id="404" r:id="rId21"/>
+    <p:sldId id="325" r:id="rId22"/>
   </p:sldIdLst>
   <p:sldSz cx="12192000" cy="6858000"/>
   <p:notesSz cx="6858000" cy="9144000"/>
@@ -216,7 +217,7 @@
           <a:p>
             <a:fld id="{7AF9442D-9D7C-40D7-A5A3-649EA8C158D2}" type="datetimeFigureOut">
               <a:rPr lang="en-US" smtClean="0"/>
-              <a:t>10/22/23</a:t>
+              <a:t>10/23/23</a:t>
             </a:fld>
             <a:endParaRPr lang="en-US"/>
           </a:p>
@@ -651,7 +652,7 @@
     </p:spTree>
     <p:extLst>
       <p:ext uri="{BB962C8B-B14F-4D97-AF65-F5344CB8AC3E}">
-        <p14:creationId xmlns:p14="http://schemas.microsoft.com/office/powerpoint/2010/main" val="591329491"/>
+        <p14:creationId xmlns:p14="http://schemas.microsoft.com/office/powerpoint/2010/main" val="908001211"/>
       </p:ext>
     </p:extLst>
   </p:cSld>
@@ -740,7 +741,7 @@
     </p:spTree>
     <p:extLst>
       <p:ext uri="{BB962C8B-B14F-4D97-AF65-F5344CB8AC3E}">
-        <p14:creationId xmlns:p14="http://schemas.microsoft.com/office/powerpoint/2010/main" val="1507279206"/>
+        <p14:creationId xmlns:p14="http://schemas.microsoft.com/office/powerpoint/2010/main" val="591329491"/>
       </p:ext>
     </p:extLst>
   </p:cSld>
@@ -829,7 +830,7 @@
     </p:spTree>
     <p:extLst>
       <p:ext uri="{BB962C8B-B14F-4D97-AF65-F5344CB8AC3E}">
-        <p14:creationId xmlns:p14="http://schemas.microsoft.com/office/powerpoint/2010/main" val="2799918992"/>
+        <p14:creationId xmlns:p14="http://schemas.microsoft.com/office/powerpoint/2010/main" val="1507279206"/>
       </p:ext>
     </p:extLst>
   </p:cSld>
@@ -918,7 +919,7 @@
     </p:spTree>
     <p:extLst>
       <p:ext uri="{BB962C8B-B14F-4D97-AF65-F5344CB8AC3E}">
-        <p14:creationId xmlns:p14="http://schemas.microsoft.com/office/powerpoint/2010/main" val="1885564664"/>
+        <p14:creationId xmlns:p14="http://schemas.microsoft.com/office/powerpoint/2010/main" val="2799918992"/>
       </p:ext>
     </p:extLst>
   </p:cSld>
@@ -1007,7 +1008,7 @@
     </p:spTree>
     <p:extLst>
       <p:ext uri="{BB962C8B-B14F-4D97-AF65-F5344CB8AC3E}">
-        <p14:creationId xmlns:p14="http://schemas.microsoft.com/office/powerpoint/2010/main" val="993906533"/>
+        <p14:creationId xmlns:p14="http://schemas.microsoft.com/office/powerpoint/2010/main" val="1885564664"/>
       </p:ext>
     </p:extLst>
   </p:cSld>
@@ -1096,7 +1097,7 @@
     </p:spTree>
     <p:extLst>
       <p:ext uri="{BB962C8B-B14F-4D97-AF65-F5344CB8AC3E}">
-        <p14:creationId xmlns:p14="http://schemas.microsoft.com/office/powerpoint/2010/main" val="2765094440"/>
+        <p14:creationId xmlns:p14="http://schemas.microsoft.com/office/powerpoint/2010/main" val="993906533"/>
       </p:ext>
     </p:extLst>
   </p:cSld>
@@ -1185,7 +1186,7 @@
     </p:spTree>
     <p:extLst>
       <p:ext uri="{BB962C8B-B14F-4D97-AF65-F5344CB8AC3E}">
-        <p14:creationId xmlns:p14="http://schemas.microsoft.com/office/powerpoint/2010/main" val="2722283890"/>
+        <p14:creationId xmlns:p14="http://schemas.microsoft.com/office/powerpoint/2010/main" val="2765094440"/>
       </p:ext>
     </p:extLst>
   </p:cSld>
@@ -1274,7 +1275,7 @@
     </p:spTree>
     <p:extLst>
       <p:ext uri="{BB962C8B-B14F-4D97-AF65-F5344CB8AC3E}">
-        <p14:creationId xmlns:p14="http://schemas.microsoft.com/office/powerpoint/2010/main" val="2674604940"/>
+        <p14:creationId xmlns:p14="http://schemas.microsoft.com/office/powerpoint/2010/main" val="2722283890"/>
       </p:ext>
     </p:extLst>
   </p:cSld>
@@ -1355,6 +1356,95 @@
             <a:fld id="{3F8BDF20-BE86-4883-8A23-4CE3D0058BEA}" type="slidenum">
               <a:rPr lang="en-US" smtClean="0"/>
               <a:t>19</a:t>
+            </a:fld>
+            <a:endParaRPr lang="en-US"/>
+          </a:p>
+        </p:txBody>
+      </p:sp>
+    </p:spTree>
+    <p:extLst>
+      <p:ext uri="{BB962C8B-B14F-4D97-AF65-F5344CB8AC3E}">
+        <p14:creationId xmlns:p14="http://schemas.microsoft.com/office/powerpoint/2010/main" val="2674604940"/>
+      </p:ext>
+    </p:extLst>
+  </p:cSld>
+  <p:clrMapOvr>
+    <a:masterClrMapping/>
+  </p:clrMapOvr>
+</p:notes>
+</file>
+
+<file path=ppt/notesSlides/notesSlide19.xml><?xml version="1.0" encoding="utf-8"?>
+<p:notes xmlns:a="http://schemas.openxmlformats.org/drawingml/2006/main" xmlns:r="http://schemas.openxmlformats.org/officeDocument/2006/relationships" xmlns:p="http://schemas.openxmlformats.org/presentationml/2006/main">
+  <p:cSld>
+    <p:spTree>
+      <p:nvGrpSpPr>
+        <p:cNvPr id="1" name=""/>
+        <p:cNvGrpSpPr/>
+        <p:nvPr/>
+      </p:nvGrpSpPr>
+      <p:grpSpPr>
+        <a:xfrm>
+          <a:off x="0" y="0"/>
+          <a:ext cx="0" cy="0"/>
+          <a:chOff x="0" y="0"/>
+          <a:chExt cx="0" cy="0"/>
+        </a:xfrm>
+      </p:grpSpPr>
+      <p:sp>
+        <p:nvSpPr>
+          <p:cNvPr id="2" name="Slide Image Placeholder 1"/>
+          <p:cNvSpPr>
+            <a:spLocks noGrp="1" noRot="1" noChangeAspect="1"/>
+          </p:cNvSpPr>
+          <p:nvPr>
+            <p:ph type="sldImg"/>
+          </p:nvPr>
+        </p:nvSpPr>
+        <p:spPr>
+          <a:xfrm>
+            <a:off x="685800" y="1143000"/>
+            <a:ext cx="5486400" cy="3086100"/>
+          </a:xfrm>
+        </p:spPr>
+      </p:sp>
+      <p:sp>
+        <p:nvSpPr>
+          <p:cNvPr id="3" name="Notes Placeholder 2"/>
+          <p:cNvSpPr>
+            <a:spLocks noGrp="1"/>
+          </p:cNvSpPr>
+          <p:nvPr>
+            <p:ph type="body" idx="1"/>
+          </p:nvPr>
+        </p:nvSpPr>
+        <p:spPr/>
+        <p:txBody>
+          <a:bodyPr/>
+          <a:lstStyle/>
+          <a:p>
+            <a:endParaRPr lang="en-US" dirty="0"/>
+          </a:p>
+        </p:txBody>
+      </p:sp>
+      <p:sp>
+        <p:nvSpPr>
+          <p:cNvPr id="4" name="Slide Number Placeholder 3"/>
+          <p:cNvSpPr>
+            <a:spLocks noGrp="1"/>
+          </p:cNvSpPr>
+          <p:nvPr>
+            <p:ph type="sldNum" sz="quarter" idx="5"/>
+          </p:nvPr>
+        </p:nvSpPr>
+        <p:spPr/>
+        <p:txBody>
+          <a:bodyPr/>
+          <a:lstStyle/>
+          <a:p>
+            <a:fld id="{3F8BDF20-BE86-4883-8A23-4CE3D0058BEA}" type="slidenum">
+              <a:rPr lang="en-US" smtClean="0"/>
+              <a:t>20</a:t>
             </a:fld>
             <a:endParaRPr lang="en-US"/>
           </a:p>
@@ -2075,7 +2165,7 @@
     </p:spTree>
     <p:extLst>
       <p:ext uri="{BB962C8B-B14F-4D97-AF65-F5344CB8AC3E}">
-        <p14:creationId xmlns:p14="http://schemas.microsoft.com/office/powerpoint/2010/main" val="908001211"/>
+        <p14:creationId xmlns:p14="http://schemas.microsoft.com/office/powerpoint/2010/main" val="2020023143"/>
       </p:ext>
     </p:extLst>
   </p:cSld>
@@ -2216,7 +2306,7 @@
           <a:p>
             <a:fld id="{41748473-9145-41F0-ADB9-654A949CD218}" type="datetimeFigureOut">
               <a:rPr lang="en-US" smtClean="0"/>
-              <a:t>10/22/23</a:t>
+              <a:t>10/23/23</a:t>
             </a:fld>
             <a:endParaRPr lang="en-US"/>
           </a:p>
@@ -2386,7 +2476,7 @@
           <a:p>
             <a:fld id="{41748473-9145-41F0-ADB9-654A949CD218}" type="datetimeFigureOut">
               <a:rPr lang="en-US" smtClean="0"/>
-              <a:t>10/22/23</a:t>
+              <a:t>10/23/23</a:t>
             </a:fld>
             <a:endParaRPr lang="en-US"/>
           </a:p>
@@ -2566,7 +2656,7 @@
           <a:p>
             <a:fld id="{41748473-9145-41F0-ADB9-654A949CD218}" type="datetimeFigureOut">
               <a:rPr lang="en-US" smtClean="0"/>
-              <a:t>10/22/23</a:t>
+              <a:t>10/23/23</a:t>
             </a:fld>
             <a:endParaRPr lang="en-US"/>
           </a:p>
@@ -2736,7 +2826,7 @@
           <a:p>
             <a:fld id="{41748473-9145-41F0-ADB9-654A949CD218}" type="datetimeFigureOut">
               <a:rPr lang="en-US" smtClean="0"/>
-              <a:t>10/22/23</a:t>
+              <a:t>10/23/23</a:t>
             </a:fld>
             <a:endParaRPr lang="en-US"/>
           </a:p>
@@ -2982,7 +3072,7 @@
           <a:p>
             <a:fld id="{41748473-9145-41F0-ADB9-654A949CD218}" type="datetimeFigureOut">
               <a:rPr lang="en-US" smtClean="0"/>
-              <a:t>10/22/23</a:t>
+              <a:t>10/23/23</a:t>
             </a:fld>
             <a:endParaRPr lang="en-US"/>
           </a:p>
@@ -3214,7 +3304,7 @@
           <a:p>
             <a:fld id="{41748473-9145-41F0-ADB9-654A949CD218}" type="datetimeFigureOut">
               <a:rPr lang="en-US" smtClean="0"/>
-              <a:t>10/22/23</a:t>
+              <a:t>10/23/23</a:t>
             </a:fld>
             <a:endParaRPr lang="en-US"/>
           </a:p>
@@ -3581,7 +3671,7 @@
           <a:p>
             <a:fld id="{41748473-9145-41F0-ADB9-654A949CD218}" type="datetimeFigureOut">
               <a:rPr lang="en-US" smtClean="0"/>
-              <a:t>10/22/23</a:t>
+              <a:t>10/23/23</a:t>
             </a:fld>
             <a:endParaRPr lang="en-US"/>
           </a:p>
@@ -3699,7 +3789,7 @@
           <a:p>
             <a:fld id="{41748473-9145-41F0-ADB9-654A949CD218}" type="datetimeFigureOut">
               <a:rPr lang="en-US" smtClean="0"/>
-              <a:t>10/22/23</a:t>
+              <a:t>10/23/23</a:t>
             </a:fld>
             <a:endParaRPr lang="en-US"/>
           </a:p>
@@ -3794,7 +3884,7 @@
           <a:p>
             <a:fld id="{41748473-9145-41F0-ADB9-654A949CD218}" type="datetimeFigureOut">
               <a:rPr lang="en-US" smtClean="0"/>
-              <a:t>10/22/23</a:t>
+              <a:t>10/23/23</a:t>
             </a:fld>
             <a:endParaRPr lang="en-US"/>
           </a:p>
@@ -4071,7 +4161,7 @@
           <a:p>
             <a:fld id="{41748473-9145-41F0-ADB9-654A949CD218}" type="datetimeFigureOut">
               <a:rPr lang="en-US" smtClean="0"/>
-              <a:t>10/22/23</a:t>
+              <a:t>10/23/23</a:t>
             </a:fld>
             <a:endParaRPr lang="en-US"/>
           </a:p>
@@ -4328,7 +4418,7 @@
           <a:p>
             <a:fld id="{41748473-9145-41F0-ADB9-654A949CD218}" type="datetimeFigureOut">
               <a:rPr lang="en-US" smtClean="0"/>
-              <a:t>10/22/23</a:t>
+              <a:t>10/23/23</a:t>
             </a:fld>
             <a:endParaRPr lang="en-US"/>
           </a:p>
@@ -4541,7 +4631,7 @@
           <a:p>
             <a:fld id="{41748473-9145-41F0-ADB9-654A949CD218}" type="datetimeFigureOut">
               <a:rPr lang="en-US" smtClean="0"/>
-              <a:t>10/22/23</a:t>
+              <a:t>10/23/23</a:t>
             </a:fld>
             <a:endParaRPr lang="en-US"/>
           </a:p>
@@ -5239,17 +5329,17 @@
           <a:p>
             <a:r>
               <a:rPr lang="en-US" dirty="0"/>
-              <a:t>Feature Expansion   </a:t>
+              <a:t>Solver for Support Vector Classifier  </a:t>
             </a:r>
           </a:p>
         </p:txBody>
       </p:sp>
       <p:pic>
         <p:nvPicPr>
-          <p:cNvPr id="3" name="Picture 2">
+          <p:cNvPr id="6" name="Picture 5">
             <a:extLst>
               <a:ext uri="{FF2B5EF4-FFF2-40B4-BE49-F238E27FC236}">
-                <a16:creationId xmlns:a16="http://schemas.microsoft.com/office/drawing/2014/main" id="{36AFF17F-C00E-49E9-DAE9-BCDEC0A3BE55}"/>
+                <a16:creationId xmlns:a16="http://schemas.microsoft.com/office/drawing/2014/main" id="{8C9384DB-88D0-6B2B-0799-327580B72F6E}"/>
               </a:ext>
             </a:extLst>
           </p:cNvPr>
@@ -5266,78 +5356,61 @@
         </p:blipFill>
         <p:spPr>
           <a:xfrm>
-            <a:off x="838200" y="1531915"/>
-            <a:ext cx="8125018" cy="1339289"/>
+            <a:off x="2507304" y="3282288"/>
+            <a:ext cx="6404684" cy="1176994"/>
           </a:xfrm>
           <a:prstGeom prst="rect">
             <a:avLst/>
           </a:prstGeom>
         </p:spPr>
       </p:pic>
-      <p:pic>
-        <p:nvPicPr>
-          <p:cNvPr id="5" name="Picture 4">
+      <p:sp>
+        <p:nvSpPr>
+          <p:cNvPr id="7" name="TextBox 6">
             <a:extLst>
               <a:ext uri="{FF2B5EF4-FFF2-40B4-BE49-F238E27FC236}">
-                <a16:creationId xmlns:a16="http://schemas.microsoft.com/office/drawing/2014/main" id="{EE8994CB-D0EC-783E-85F2-4DC52E75B792}"/>
+                <a16:creationId xmlns:a16="http://schemas.microsoft.com/office/drawing/2014/main" id="{71634F3F-E33B-D7CE-F6BE-C2BA3F53BEA3}"/>
               </a:ext>
             </a:extLst>
           </p:cNvPr>
-          <p:cNvPicPr>
-            <a:picLocks noChangeAspect="1"/>
-          </p:cNvPicPr>
+          <p:cNvSpPr txBox="1"/>
           <p:nvPr/>
-        </p:nvPicPr>
-        <p:blipFill>
-          <a:blip r:embed="rId4"/>
-          <a:stretch>
-            <a:fillRect/>
-          </a:stretch>
-        </p:blipFill>
-        <p:spPr>
-          <a:xfrm>
-            <a:off x="838199" y="3429000"/>
-            <a:ext cx="7599745" cy="537828"/>
+        </p:nvSpPr>
+        <p:spPr>
+          <a:xfrm>
+            <a:off x="838200" y="1654364"/>
+            <a:ext cx="10399852" cy="954107"/>
           </a:xfrm>
           <a:prstGeom prst="rect">
             <a:avLst/>
           </a:prstGeom>
-        </p:spPr>
-      </p:pic>
-      <p:pic>
-        <p:nvPicPr>
-          <p:cNvPr id="6" name="Picture 5">
-            <a:extLst>
-              <a:ext uri="{FF2B5EF4-FFF2-40B4-BE49-F238E27FC236}">
-                <a16:creationId xmlns:a16="http://schemas.microsoft.com/office/drawing/2014/main" id="{0B61A098-A6A6-4613-D87F-0D02F89B1A78}"/>
-              </a:ext>
-            </a:extLst>
-          </p:cNvPr>
-          <p:cNvPicPr>
-            <a:picLocks noChangeAspect="1"/>
-          </p:cNvPicPr>
-          <p:nvPr/>
-        </p:nvPicPr>
-        <p:blipFill>
-          <a:blip r:embed="rId5"/>
-          <a:stretch>
-            <a:fillRect/>
-          </a:stretch>
-        </p:blipFill>
-        <p:spPr>
-          <a:xfrm>
-            <a:off x="930234" y="4524623"/>
-            <a:ext cx="7318983" cy="855758"/>
-          </a:xfrm>
-          <a:prstGeom prst="rect">
-            <a:avLst/>
-          </a:prstGeom>
-        </p:spPr>
-      </p:pic>
+          <a:noFill/>
+        </p:spPr>
+        <p:txBody>
+          <a:bodyPr wrap="square">
+            <a:spAutoFit/>
+          </a:bodyPr>
+          <a:lstStyle/>
+          <a:p>
+            <a:r>
+              <a:rPr lang="en-US" altLang="zh-CN" sz="2800" dirty="0"/>
+              <a:t>It is intractable to</a:t>
+            </a:r>
+            <a:r>
+              <a:rPr lang="zh-CN" altLang="en-US" sz="2800" dirty="0"/>
+              <a:t> </a:t>
+            </a:r>
+            <a:r>
+              <a:rPr lang="en-US" altLang="zh-CN" sz="2800" dirty="0"/>
+              <a:t>solve the constraint problem, so we need to formulate an unconstrainted problem as a solver.</a:t>
+            </a:r>
+          </a:p>
+        </p:txBody>
+      </p:sp>
     </p:spTree>
     <p:extLst>
       <p:ext uri="{BB962C8B-B14F-4D97-AF65-F5344CB8AC3E}">
-        <p14:creationId xmlns:p14="http://schemas.microsoft.com/office/powerpoint/2010/main" val="1262622843"/>
+        <p14:creationId xmlns:p14="http://schemas.microsoft.com/office/powerpoint/2010/main" val="205172023"/>
       </p:ext>
     </p:extLst>
   </p:cSld>
@@ -5388,17 +5461,17 @@
           <a:p>
             <a:r>
               <a:rPr lang="en-US" dirty="0"/>
-              <a:t>Cubic Polynomials    </a:t>
+              <a:t>Feature Expansion   </a:t>
             </a:r>
           </a:p>
         </p:txBody>
       </p:sp>
       <p:pic>
         <p:nvPicPr>
-          <p:cNvPr id="4" name="Picture 3">
+          <p:cNvPr id="3" name="Picture 2">
             <a:extLst>
               <a:ext uri="{FF2B5EF4-FFF2-40B4-BE49-F238E27FC236}">
-                <a16:creationId xmlns:a16="http://schemas.microsoft.com/office/drawing/2014/main" id="{0C6E7D39-2D6D-54B8-7C1B-F2CF41E79387}"/>
+                <a16:creationId xmlns:a16="http://schemas.microsoft.com/office/drawing/2014/main" id="{36AFF17F-C00E-49E9-DAE9-BCDEC0A3BE55}"/>
               </a:ext>
             </a:extLst>
           </p:cNvPr>
@@ -5415,65 +5488,78 @@
         </p:blipFill>
         <p:spPr>
           <a:xfrm>
-            <a:off x="1141793" y="1814011"/>
-            <a:ext cx="4842317" cy="4678863"/>
+            <a:off x="838200" y="1531915"/>
+            <a:ext cx="8125018" cy="1339289"/>
           </a:xfrm>
           <a:prstGeom prst="rect">
             <a:avLst/>
           </a:prstGeom>
         </p:spPr>
       </p:pic>
-      <p:sp>
-        <p:nvSpPr>
-          <p:cNvPr id="7" name="TextBox 6">
+      <p:pic>
+        <p:nvPicPr>
+          <p:cNvPr id="5" name="Picture 4">
             <a:extLst>
               <a:ext uri="{FF2B5EF4-FFF2-40B4-BE49-F238E27FC236}">
-                <a16:creationId xmlns:a16="http://schemas.microsoft.com/office/drawing/2014/main" id="{D512073B-CB18-FFD7-8F57-6791D1EACBB7}"/>
+                <a16:creationId xmlns:a16="http://schemas.microsoft.com/office/drawing/2014/main" id="{EE8994CB-D0EC-783E-85F2-4DC52E75B792}"/>
               </a:ext>
             </a:extLst>
           </p:cNvPr>
-          <p:cNvSpPr txBox="1"/>
+          <p:cNvPicPr>
+            <a:picLocks noChangeAspect="1"/>
+          </p:cNvPicPr>
           <p:nvPr/>
-        </p:nvSpPr>
-        <p:spPr>
-          <a:xfrm>
-            <a:off x="6706565" y="2418293"/>
-            <a:ext cx="4439856" cy="2677656"/>
+        </p:nvPicPr>
+        <p:blipFill>
+          <a:blip r:embed="rId4"/>
+          <a:stretch>
+            <a:fillRect/>
+          </a:stretch>
+        </p:blipFill>
+        <p:spPr>
+          <a:xfrm>
+            <a:off x="838199" y="3429000"/>
+            <a:ext cx="7599745" cy="537828"/>
           </a:xfrm>
           <a:prstGeom prst="rect">
             <a:avLst/>
           </a:prstGeom>
-          <a:noFill/>
-        </p:spPr>
-        <p:txBody>
-          <a:bodyPr wrap="square">
-            <a:spAutoFit/>
-          </a:bodyPr>
-          <a:lstStyle/>
-          <a:p>
-            <a:r>
-              <a:rPr lang="en-US" altLang="zh-CN" sz="2800" dirty="0"/>
-              <a:t>A basis expansion of cubic polynomials increases the number of variables from 2 to 9 </a:t>
-            </a:r>
-          </a:p>
-          <a:p>
-            <a:r>
-              <a:rPr lang="en-US" altLang="zh-CN" sz="2800" dirty="0"/>
-              <a:t> </a:t>
-            </a:r>
-          </a:p>
-          <a:p>
-            <a:r>
-              <a:rPr lang="en-US" altLang="zh-CN" sz="2800" dirty="0"/>
-              <a:t> </a:t>
-            </a:r>
-          </a:p>
-        </p:txBody>
-      </p:sp>
+        </p:spPr>
+      </p:pic>
+      <p:pic>
+        <p:nvPicPr>
+          <p:cNvPr id="6" name="Picture 5">
+            <a:extLst>
+              <a:ext uri="{FF2B5EF4-FFF2-40B4-BE49-F238E27FC236}">
+                <a16:creationId xmlns:a16="http://schemas.microsoft.com/office/drawing/2014/main" id="{0B61A098-A6A6-4613-D87F-0D02F89B1A78}"/>
+              </a:ext>
+            </a:extLst>
+          </p:cNvPr>
+          <p:cNvPicPr>
+            <a:picLocks noChangeAspect="1"/>
+          </p:cNvPicPr>
+          <p:nvPr/>
+        </p:nvPicPr>
+        <p:blipFill>
+          <a:blip r:embed="rId5"/>
+          <a:stretch>
+            <a:fillRect/>
+          </a:stretch>
+        </p:blipFill>
+        <p:spPr>
+          <a:xfrm>
+            <a:off x="930234" y="4524623"/>
+            <a:ext cx="7318983" cy="855758"/>
+          </a:xfrm>
+          <a:prstGeom prst="rect">
+            <a:avLst/>
+          </a:prstGeom>
+        </p:spPr>
+      </p:pic>
     </p:spTree>
     <p:extLst>
       <p:ext uri="{BB962C8B-B14F-4D97-AF65-F5344CB8AC3E}">
-        <p14:creationId xmlns:p14="http://schemas.microsoft.com/office/powerpoint/2010/main" val="1487006029"/>
+        <p14:creationId xmlns:p14="http://schemas.microsoft.com/office/powerpoint/2010/main" val="1262622843"/>
       </p:ext>
     </p:extLst>
   </p:cSld>
@@ -5524,11 +5610,41 @@
           <a:p>
             <a:r>
               <a:rPr lang="en-US" dirty="0"/>
-              <a:t>Nonlinearities and Kernels     </a:t>
-            </a:r>
-          </a:p>
-        </p:txBody>
-      </p:sp>
+              <a:t>Cubic Polynomials    </a:t>
+            </a:r>
+          </a:p>
+        </p:txBody>
+      </p:sp>
+      <p:pic>
+        <p:nvPicPr>
+          <p:cNvPr id="4" name="Picture 3">
+            <a:extLst>
+              <a:ext uri="{FF2B5EF4-FFF2-40B4-BE49-F238E27FC236}">
+                <a16:creationId xmlns:a16="http://schemas.microsoft.com/office/drawing/2014/main" id="{0C6E7D39-2D6D-54B8-7C1B-F2CF41E79387}"/>
+              </a:ext>
+            </a:extLst>
+          </p:cNvPr>
+          <p:cNvPicPr>
+            <a:picLocks noChangeAspect="1"/>
+          </p:cNvPicPr>
+          <p:nvPr/>
+        </p:nvPicPr>
+        <p:blipFill>
+          <a:blip r:embed="rId3"/>
+          <a:stretch>
+            <a:fillRect/>
+          </a:stretch>
+        </p:blipFill>
+        <p:spPr>
+          <a:xfrm>
+            <a:off x="1141793" y="1814011"/>
+            <a:ext cx="4842317" cy="4678863"/>
+          </a:xfrm>
+          <a:prstGeom prst="rect">
+            <a:avLst/>
+          </a:prstGeom>
+        </p:spPr>
+      </p:pic>
       <p:sp>
         <p:nvSpPr>
           <p:cNvPr id="7" name="TextBox 6">
@@ -5543,8 +5659,8 @@
         </p:nvSpPr>
         <p:spPr>
           <a:xfrm>
-            <a:off x="838200" y="1654364"/>
-            <a:ext cx="10399852" cy="954107"/>
+            <a:off x="6706565" y="2418293"/>
+            <a:ext cx="4439856" cy="2677656"/>
           </a:xfrm>
           <a:prstGeom prst="rect">
             <a:avLst/>
@@ -5559,53 +5675,27 @@
           <a:p>
             <a:r>
               <a:rPr lang="en-US" altLang="zh-CN" sz="2800" dirty="0"/>
-              <a:t>There is a more elegant and controlled way to introduce nonlinearities in support-vector classifiers — through the use of kernels. </a:t>
-            </a:r>
-          </a:p>
-        </p:txBody>
-      </p:sp>
-      <p:sp>
-        <p:nvSpPr>
-          <p:cNvPr id="3" name="TextBox 2">
-            <a:extLst>
-              <a:ext uri="{FF2B5EF4-FFF2-40B4-BE49-F238E27FC236}">
-                <a16:creationId xmlns:a16="http://schemas.microsoft.com/office/drawing/2014/main" id="{8D8AC2DB-73FB-0209-B07A-FF48A9F40B87}"/>
-              </a:ext>
-            </a:extLst>
-          </p:cNvPr>
-          <p:cNvSpPr txBox="1"/>
-          <p:nvPr/>
-        </p:nvSpPr>
-        <p:spPr>
-          <a:xfrm>
-            <a:off x="838200" y="3295423"/>
-            <a:ext cx="10399852" cy="954107"/>
-          </a:xfrm>
-          <a:prstGeom prst="rect">
-            <a:avLst/>
-          </a:prstGeom>
-          <a:noFill/>
-        </p:spPr>
-        <p:txBody>
-          <a:bodyPr wrap="square">
-            <a:spAutoFit/>
-          </a:bodyPr>
-          <a:lstStyle/>
+              <a:t>A basis expansion of cubic polynomials increases the number of variables from 2 to 9 </a:t>
+            </a:r>
+          </a:p>
           <a:p>
             <a:r>
               <a:rPr lang="en-US" altLang="zh-CN" sz="2800" dirty="0"/>
-              <a:t>Kernels: Linear Kernels; Polynomial Kernels; Gaussian Kernels</a:t>
-            </a:r>
-          </a:p>
-          <a:p>
-            <a:endParaRPr lang="en-US" altLang="zh-CN" sz="2800" dirty="0"/>
+              <a:t> </a:t>
+            </a:r>
+          </a:p>
+          <a:p>
+            <a:r>
+              <a:rPr lang="en-US" altLang="zh-CN" sz="2800" dirty="0"/>
+              <a:t> </a:t>
+            </a:r>
           </a:p>
         </p:txBody>
       </p:sp>
     </p:spTree>
     <p:extLst>
       <p:ext uri="{BB962C8B-B14F-4D97-AF65-F5344CB8AC3E}">
-        <p14:creationId xmlns:p14="http://schemas.microsoft.com/office/powerpoint/2010/main" val="1611917540"/>
+        <p14:creationId xmlns:p14="http://schemas.microsoft.com/office/powerpoint/2010/main" val="1487006029"/>
       </p:ext>
     </p:extLst>
   </p:cSld>
@@ -5656,7 +5746,7 @@
           <a:p>
             <a:r>
               <a:rPr lang="en-US" dirty="0"/>
-              <a:t>Inner products and support vectors </a:t>
+              <a:t>Nonlinearities and Kernels     </a:t>
             </a:r>
           </a:p>
         </p:txBody>
@@ -5675,8 +5765,8 @@
         </p:nvSpPr>
         <p:spPr>
           <a:xfrm>
-            <a:off x="977096" y="1978455"/>
-            <a:ext cx="2483734" cy="523220"/>
+            <a:off x="838200" y="1654364"/>
+            <a:ext cx="10399852" cy="954107"/>
           </a:xfrm>
           <a:prstGeom prst="rect">
             <a:avLst/>
@@ -5691,47 +5781,17 @@
           <a:p>
             <a:r>
               <a:rPr lang="en-US" altLang="zh-CN" sz="2800" dirty="0"/>
-              <a:t>Inner product:</a:t>
-            </a:r>
-          </a:p>
-        </p:txBody>
-      </p:sp>
-      <p:pic>
-        <p:nvPicPr>
-          <p:cNvPr id="4" name="Picture 3">
+              <a:t>There is a more elegant and controlled way to introduce nonlinearities in support-vector classifiers — through the use of kernels. </a:t>
+            </a:r>
+          </a:p>
+        </p:txBody>
+      </p:sp>
+      <p:sp>
+        <p:nvSpPr>
+          <p:cNvPr id="3" name="TextBox 2">
             <a:extLst>
               <a:ext uri="{FF2B5EF4-FFF2-40B4-BE49-F238E27FC236}">
-                <a16:creationId xmlns:a16="http://schemas.microsoft.com/office/drawing/2014/main" id="{8037B77C-8EA4-FBCC-E8AA-7FE1983CFEE7}"/>
-              </a:ext>
-            </a:extLst>
-          </p:cNvPr>
-          <p:cNvPicPr>
-            <a:picLocks noChangeAspect="1"/>
-          </p:cNvPicPr>
-          <p:nvPr/>
-        </p:nvPicPr>
-        <p:blipFill>
-          <a:blip r:embed="rId3"/>
-          <a:stretch>
-            <a:fillRect/>
-          </a:stretch>
-        </p:blipFill>
-        <p:spPr>
-          <a:xfrm>
-            <a:off x="3751358" y="2612474"/>
-            <a:ext cx="3428608" cy="1371444"/>
-          </a:xfrm>
-          <a:prstGeom prst="rect">
-            <a:avLst/>
-          </a:prstGeom>
-        </p:spPr>
-      </p:pic>
-      <p:sp>
-        <p:nvSpPr>
-          <p:cNvPr id="5" name="TextBox 4">
-            <a:extLst>
-              <a:ext uri="{FF2B5EF4-FFF2-40B4-BE49-F238E27FC236}">
-                <a16:creationId xmlns:a16="http://schemas.microsoft.com/office/drawing/2014/main" id="{EA8F4FBA-3189-5D89-2E19-33AAD6FF19A6}"/>
+                <a16:creationId xmlns:a16="http://schemas.microsoft.com/office/drawing/2014/main" id="{8D8AC2DB-73FB-0209-B07A-FF48A9F40B87}"/>
               </a:ext>
             </a:extLst>
           </p:cNvPr>
@@ -5740,8 +5800,8 @@
         </p:nvSpPr>
         <p:spPr>
           <a:xfrm>
-            <a:off x="977096" y="4094716"/>
-            <a:ext cx="8977132" cy="523220"/>
+            <a:off x="838200" y="3295423"/>
+            <a:ext cx="10399852" cy="954107"/>
           </a:xfrm>
           <a:prstGeom prst="rect">
             <a:avLst/>
@@ -5756,45 +5816,18 @@
           <a:p>
             <a:r>
               <a:rPr lang="en-US" altLang="zh-CN" sz="2800" dirty="0"/>
-              <a:t>The linear support vector classifier can be represented as </a:t>
-            </a:r>
-          </a:p>
-        </p:txBody>
-      </p:sp>
-      <p:pic>
-        <p:nvPicPr>
-          <p:cNvPr id="6" name="Picture 5">
-            <a:extLst>
-              <a:ext uri="{FF2B5EF4-FFF2-40B4-BE49-F238E27FC236}">
-                <a16:creationId xmlns:a16="http://schemas.microsoft.com/office/drawing/2014/main" id="{25E1CC23-3219-4731-B3F5-9D7BCBBAE7A5}"/>
-              </a:ext>
-            </a:extLst>
-          </p:cNvPr>
-          <p:cNvPicPr>
-            <a:picLocks noChangeAspect="1"/>
-          </p:cNvPicPr>
-          <p:nvPr/>
-        </p:nvPicPr>
-        <p:blipFill>
-          <a:blip r:embed="rId4"/>
-          <a:stretch>
-            <a:fillRect/>
-          </a:stretch>
-        </p:blipFill>
-        <p:spPr>
-          <a:xfrm>
-            <a:off x="3576576" y="4995921"/>
-            <a:ext cx="4165726" cy="1388575"/>
-          </a:xfrm>
-          <a:prstGeom prst="rect">
-            <a:avLst/>
-          </a:prstGeom>
-        </p:spPr>
-      </p:pic>
+              <a:t>Kernels: Linear Kernels; Polynomial Kernels; Gaussian Kernels</a:t>
+            </a:r>
+          </a:p>
+          <a:p>
+            <a:endParaRPr lang="en-US" altLang="zh-CN" sz="2800" dirty="0"/>
+          </a:p>
+        </p:txBody>
+      </p:sp>
     </p:spTree>
     <p:extLst>
       <p:ext uri="{BB962C8B-B14F-4D97-AF65-F5344CB8AC3E}">
-        <p14:creationId xmlns:p14="http://schemas.microsoft.com/office/powerpoint/2010/main" val="1114211969"/>
+        <p14:creationId xmlns:p14="http://schemas.microsoft.com/office/powerpoint/2010/main" val="1611917540"/>
       </p:ext>
     </p:extLst>
   </p:cSld>
@@ -5845,6 +5878,195 @@
           <a:p>
             <a:r>
               <a:rPr lang="en-US" dirty="0"/>
+              <a:t>Inner products and support vectors </a:t>
+            </a:r>
+          </a:p>
+        </p:txBody>
+      </p:sp>
+      <p:sp>
+        <p:nvSpPr>
+          <p:cNvPr id="7" name="TextBox 6">
+            <a:extLst>
+              <a:ext uri="{FF2B5EF4-FFF2-40B4-BE49-F238E27FC236}">
+                <a16:creationId xmlns:a16="http://schemas.microsoft.com/office/drawing/2014/main" id="{D512073B-CB18-FFD7-8F57-6791D1EACBB7}"/>
+              </a:ext>
+            </a:extLst>
+          </p:cNvPr>
+          <p:cNvSpPr txBox="1"/>
+          <p:nvPr/>
+        </p:nvSpPr>
+        <p:spPr>
+          <a:xfrm>
+            <a:off x="977096" y="1978455"/>
+            <a:ext cx="2483734" cy="523220"/>
+          </a:xfrm>
+          <a:prstGeom prst="rect">
+            <a:avLst/>
+          </a:prstGeom>
+          <a:noFill/>
+        </p:spPr>
+        <p:txBody>
+          <a:bodyPr wrap="square">
+            <a:spAutoFit/>
+          </a:bodyPr>
+          <a:lstStyle/>
+          <a:p>
+            <a:r>
+              <a:rPr lang="en-US" altLang="zh-CN" sz="2800" dirty="0"/>
+              <a:t>Inner product:</a:t>
+            </a:r>
+          </a:p>
+        </p:txBody>
+      </p:sp>
+      <p:pic>
+        <p:nvPicPr>
+          <p:cNvPr id="4" name="Picture 3">
+            <a:extLst>
+              <a:ext uri="{FF2B5EF4-FFF2-40B4-BE49-F238E27FC236}">
+                <a16:creationId xmlns:a16="http://schemas.microsoft.com/office/drawing/2014/main" id="{8037B77C-8EA4-FBCC-E8AA-7FE1983CFEE7}"/>
+              </a:ext>
+            </a:extLst>
+          </p:cNvPr>
+          <p:cNvPicPr>
+            <a:picLocks noChangeAspect="1"/>
+          </p:cNvPicPr>
+          <p:nvPr/>
+        </p:nvPicPr>
+        <p:blipFill>
+          <a:blip r:embed="rId3"/>
+          <a:stretch>
+            <a:fillRect/>
+          </a:stretch>
+        </p:blipFill>
+        <p:spPr>
+          <a:xfrm>
+            <a:off x="3751358" y="2612474"/>
+            <a:ext cx="3428608" cy="1371444"/>
+          </a:xfrm>
+          <a:prstGeom prst="rect">
+            <a:avLst/>
+          </a:prstGeom>
+        </p:spPr>
+      </p:pic>
+      <p:sp>
+        <p:nvSpPr>
+          <p:cNvPr id="5" name="TextBox 4">
+            <a:extLst>
+              <a:ext uri="{FF2B5EF4-FFF2-40B4-BE49-F238E27FC236}">
+                <a16:creationId xmlns:a16="http://schemas.microsoft.com/office/drawing/2014/main" id="{EA8F4FBA-3189-5D89-2E19-33AAD6FF19A6}"/>
+              </a:ext>
+            </a:extLst>
+          </p:cNvPr>
+          <p:cNvSpPr txBox="1"/>
+          <p:nvPr/>
+        </p:nvSpPr>
+        <p:spPr>
+          <a:xfrm>
+            <a:off x="977096" y="4094716"/>
+            <a:ext cx="8977132" cy="523220"/>
+          </a:xfrm>
+          <a:prstGeom prst="rect">
+            <a:avLst/>
+          </a:prstGeom>
+          <a:noFill/>
+        </p:spPr>
+        <p:txBody>
+          <a:bodyPr wrap="square">
+            <a:spAutoFit/>
+          </a:bodyPr>
+          <a:lstStyle/>
+          <a:p>
+            <a:r>
+              <a:rPr lang="en-US" altLang="zh-CN" sz="2800" dirty="0"/>
+              <a:t>The linear support vector classifier can be represented as </a:t>
+            </a:r>
+          </a:p>
+        </p:txBody>
+      </p:sp>
+      <p:pic>
+        <p:nvPicPr>
+          <p:cNvPr id="6" name="Picture 5">
+            <a:extLst>
+              <a:ext uri="{FF2B5EF4-FFF2-40B4-BE49-F238E27FC236}">
+                <a16:creationId xmlns:a16="http://schemas.microsoft.com/office/drawing/2014/main" id="{25E1CC23-3219-4731-B3F5-9D7BCBBAE7A5}"/>
+              </a:ext>
+            </a:extLst>
+          </p:cNvPr>
+          <p:cNvPicPr>
+            <a:picLocks noChangeAspect="1"/>
+          </p:cNvPicPr>
+          <p:nvPr/>
+        </p:nvPicPr>
+        <p:blipFill>
+          <a:blip r:embed="rId4"/>
+          <a:stretch>
+            <a:fillRect/>
+          </a:stretch>
+        </p:blipFill>
+        <p:spPr>
+          <a:xfrm>
+            <a:off x="3576576" y="4995921"/>
+            <a:ext cx="4165726" cy="1388575"/>
+          </a:xfrm>
+          <a:prstGeom prst="rect">
+            <a:avLst/>
+          </a:prstGeom>
+        </p:spPr>
+      </p:pic>
+    </p:spTree>
+    <p:extLst>
+      <p:ext uri="{BB962C8B-B14F-4D97-AF65-F5344CB8AC3E}">
+        <p14:creationId xmlns:p14="http://schemas.microsoft.com/office/powerpoint/2010/main" val="1114211969"/>
+      </p:ext>
+    </p:extLst>
+  </p:cSld>
+  <p:clrMapOvr>
+    <a:masterClrMapping/>
+  </p:clrMapOvr>
+</p:sld>
+</file>
+
+<file path=ppt/slides/slide15.xml><?xml version="1.0" encoding="utf-8"?>
+<p:sld xmlns:a="http://schemas.openxmlformats.org/drawingml/2006/main" xmlns:r="http://schemas.openxmlformats.org/officeDocument/2006/relationships" xmlns:p="http://schemas.openxmlformats.org/presentationml/2006/main">
+  <p:cSld>
+    <p:spTree>
+      <p:nvGrpSpPr>
+        <p:cNvPr id="1" name=""/>
+        <p:cNvGrpSpPr/>
+        <p:nvPr/>
+      </p:nvGrpSpPr>
+      <p:grpSpPr>
+        <a:xfrm>
+          <a:off x="0" y="0"/>
+          <a:ext cx="0" cy="0"/>
+          <a:chOff x="0" y="0"/>
+          <a:chExt cx="0" cy="0"/>
+        </a:xfrm>
+      </p:grpSpPr>
+      <p:sp>
+        <p:nvSpPr>
+          <p:cNvPr id="2" name="Title 1"/>
+          <p:cNvSpPr>
+            <a:spLocks noGrp="1"/>
+          </p:cNvSpPr>
+          <p:nvPr>
+            <p:ph type="title"/>
+          </p:nvPr>
+        </p:nvSpPr>
+        <p:spPr>
+          <a:xfrm>
+            <a:off x="838200" y="365126"/>
+            <a:ext cx="10515600" cy="981894"/>
+          </a:xfrm>
+        </p:spPr>
+        <p:txBody>
+          <a:bodyPr>
+            <a:normAutofit/>
+          </a:bodyPr>
+          <a:lstStyle/>
+          <a:p>
+            <a:r>
+              <a:rPr lang="en-US" dirty="0"/>
               <a:t>Nonlinearities and Kernels     </a:t>
             </a:r>
           </a:p>
@@ -5936,7 +6158,7 @@
 </p:sld>
 </file>
 
-<file path=ppt/slides/slide15.xml><?xml version="1.0" encoding="utf-8"?>
+<file path=ppt/slides/slide16.xml><?xml version="1.0" encoding="utf-8"?>
 <p:sld xmlns:a="http://schemas.openxmlformats.org/drawingml/2006/main" xmlns:r="http://schemas.openxmlformats.org/officeDocument/2006/relationships" xmlns:p="http://schemas.openxmlformats.org/presentationml/2006/main">
   <p:cSld>
     <p:spTree>
@@ -6325,7 +6547,7 @@
 </p:sld>
 </file>
 
-<file path=ppt/slides/slide16.xml><?xml version="1.0" encoding="utf-8"?>
+<file path=ppt/slides/slide17.xml><?xml version="1.0" encoding="utf-8"?>
 <p:sld xmlns:a="http://schemas.openxmlformats.org/drawingml/2006/main" xmlns:r="http://schemas.openxmlformats.org/officeDocument/2006/relationships" xmlns:p="http://schemas.openxmlformats.org/presentationml/2006/main">
   <p:cSld>
     <p:spTree>
@@ -6371,8 +6593,8 @@
           </a:p>
         </p:txBody>
       </p:sp>
-      <mc:AlternateContent xmlns:mc="http://schemas.openxmlformats.org/markup-compatibility/2006">
-        <mc:Choice xmlns:a14="http://schemas.microsoft.com/office/drawing/2010/main" Requires="a14">
+      <mc:AlternateContent xmlns:mc="http://schemas.openxmlformats.org/markup-compatibility/2006" xmlns:a14="http://schemas.microsoft.com/office/drawing/2010/main">
+        <mc:Choice Requires="a14">
           <p:sp>
             <p:nvSpPr>
               <p:cNvPr id="8" name="TextBox 7">
@@ -6453,7 +6675,7 @@
             </p:txBody>
           </p:sp>
         </mc:Choice>
-        <mc:Fallback>
+        <mc:Fallback xmlns="">
           <p:sp>
             <p:nvSpPr>
               <p:cNvPr id="8" name="TextBox 7">
@@ -6601,7 +6823,7 @@
 </p:sld>
 </file>
 
-<file path=ppt/slides/slide17.xml><?xml version="1.0" encoding="utf-8"?>
+<file path=ppt/slides/slide18.xml><?xml version="1.0" encoding="utf-8"?>
 <p:sld xmlns:a="http://schemas.openxmlformats.org/drawingml/2006/main" xmlns:r="http://schemas.openxmlformats.org/officeDocument/2006/relationships" xmlns:p="http://schemas.openxmlformats.org/presentationml/2006/main">
   <p:cSld>
     <p:spTree>
@@ -6711,125 +6933,6 @@
     <p:extLst>
       <p:ext uri="{BB962C8B-B14F-4D97-AF65-F5344CB8AC3E}">
         <p14:creationId xmlns:p14="http://schemas.microsoft.com/office/powerpoint/2010/main" val="471531549"/>
-      </p:ext>
-    </p:extLst>
-  </p:cSld>
-  <p:clrMapOvr>
-    <a:masterClrMapping/>
-  </p:clrMapOvr>
-</p:sld>
-</file>
-
-<file path=ppt/slides/slide18.xml><?xml version="1.0" encoding="utf-8"?>
-<p:sld xmlns:a="http://schemas.openxmlformats.org/drawingml/2006/main" xmlns:r="http://schemas.openxmlformats.org/officeDocument/2006/relationships" xmlns:p="http://schemas.openxmlformats.org/presentationml/2006/main">
-  <p:cSld>
-    <p:spTree>
-      <p:nvGrpSpPr>
-        <p:cNvPr id="1" name=""/>
-        <p:cNvGrpSpPr/>
-        <p:nvPr/>
-      </p:nvGrpSpPr>
-      <p:grpSpPr>
-        <a:xfrm>
-          <a:off x="0" y="0"/>
-          <a:ext cx="0" cy="0"/>
-          <a:chOff x="0" y="0"/>
-          <a:chExt cx="0" cy="0"/>
-        </a:xfrm>
-      </p:grpSpPr>
-      <p:sp>
-        <p:nvSpPr>
-          <p:cNvPr id="2" name="Title 1"/>
-          <p:cNvSpPr>
-            <a:spLocks noGrp="1"/>
-          </p:cNvSpPr>
-          <p:nvPr>
-            <p:ph type="title"/>
-          </p:nvPr>
-        </p:nvSpPr>
-        <p:spPr>
-          <a:xfrm>
-            <a:off x="838200" y="365126"/>
-            <a:ext cx="10515600" cy="981894"/>
-          </a:xfrm>
-        </p:spPr>
-        <p:txBody>
-          <a:bodyPr>
-            <a:normAutofit/>
-          </a:bodyPr>
-          <a:lstStyle/>
-          <a:p>
-            <a:r>
-              <a:rPr lang="en-US" dirty="0"/>
-              <a:t>Multi-Class SVM</a:t>
-            </a:r>
-          </a:p>
-        </p:txBody>
-      </p:sp>
-      <p:pic>
-        <p:nvPicPr>
-          <p:cNvPr id="4" name="Picture 3">
-            <a:extLst>
-              <a:ext uri="{FF2B5EF4-FFF2-40B4-BE49-F238E27FC236}">
-                <a16:creationId xmlns:a16="http://schemas.microsoft.com/office/drawing/2014/main" id="{7F0150BC-4450-9C1F-97FF-7E3411E95AC1}"/>
-              </a:ext>
-            </a:extLst>
-          </p:cNvPr>
-          <p:cNvPicPr>
-            <a:picLocks noChangeAspect="1"/>
-          </p:cNvPicPr>
-          <p:nvPr/>
-        </p:nvPicPr>
-        <p:blipFill>
-          <a:blip r:embed="rId3"/>
-          <a:stretch>
-            <a:fillRect/>
-          </a:stretch>
-        </p:blipFill>
-        <p:spPr>
-          <a:xfrm>
-            <a:off x="1041399" y="1674693"/>
-            <a:ext cx="9304605" cy="981893"/>
-          </a:xfrm>
-          <a:prstGeom prst="rect">
-            <a:avLst/>
-          </a:prstGeom>
-        </p:spPr>
-      </p:pic>
-      <p:pic>
-        <p:nvPicPr>
-          <p:cNvPr id="3" name="Picture 2">
-            <a:extLst>
-              <a:ext uri="{FF2B5EF4-FFF2-40B4-BE49-F238E27FC236}">
-                <a16:creationId xmlns:a16="http://schemas.microsoft.com/office/drawing/2014/main" id="{4EEBC4AE-0F65-04B2-B1D6-9523B6FD636A}"/>
-              </a:ext>
-            </a:extLst>
-          </p:cNvPr>
-          <p:cNvPicPr>
-            <a:picLocks noChangeAspect="1"/>
-          </p:cNvPicPr>
-          <p:nvPr/>
-        </p:nvPicPr>
-        <p:blipFill>
-          <a:blip r:embed="rId4"/>
-          <a:stretch>
-            <a:fillRect/>
-          </a:stretch>
-        </p:blipFill>
-        <p:spPr>
-          <a:xfrm>
-            <a:off x="1155061" y="3567013"/>
-            <a:ext cx="8616735" cy="1444282"/>
-          </a:xfrm>
-          <a:prstGeom prst="rect">
-            <a:avLst/>
-          </a:prstGeom>
-        </p:spPr>
-      </p:pic>
-    </p:spTree>
-    <p:extLst>
-      <p:ext uri="{BB962C8B-B14F-4D97-AF65-F5344CB8AC3E}">
-        <p14:creationId xmlns:p14="http://schemas.microsoft.com/office/powerpoint/2010/main" val="1282574551"/>
       </p:ext>
     </p:extLst>
   </p:cSld>
@@ -6880,155 +6983,75 @@
           <a:p>
             <a:r>
               <a:rPr lang="en-US" dirty="0"/>
-              <a:t>Support Vector vs Logistic Regression </a:t>
-            </a:r>
-          </a:p>
-        </p:txBody>
-      </p:sp>
-      <p:sp>
-        <p:nvSpPr>
-          <p:cNvPr id="5" name="TextBox 4">
+              <a:t>Multi-Class SVM</a:t>
+            </a:r>
+          </a:p>
+        </p:txBody>
+      </p:sp>
+      <p:pic>
+        <p:nvPicPr>
+          <p:cNvPr id="4" name="Picture 3">
             <a:extLst>
               <a:ext uri="{FF2B5EF4-FFF2-40B4-BE49-F238E27FC236}">
-                <a16:creationId xmlns:a16="http://schemas.microsoft.com/office/drawing/2014/main" id="{1D99ADF4-060E-2981-DC89-5F6EFDE019E3}"/>
+                <a16:creationId xmlns:a16="http://schemas.microsoft.com/office/drawing/2014/main" id="{7F0150BC-4450-9C1F-97FF-7E3411E95AC1}"/>
               </a:ext>
             </a:extLst>
           </p:cNvPr>
-          <p:cNvSpPr txBox="1"/>
+          <p:cNvPicPr>
+            <a:picLocks noChangeAspect="1"/>
+          </p:cNvPicPr>
           <p:nvPr/>
-        </p:nvSpPr>
-        <p:spPr>
-          <a:xfrm>
-            <a:off x="838200" y="1729612"/>
-            <a:ext cx="9329383" cy="954107"/>
+        </p:nvPicPr>
+        <p:blipFill>
+          <a:blip r:embed="rId3"/>
+          <a:stretch>
+            <a:fillRect/>
+          </a:stretch>
+        </p:blipFill>
+        <p:spPr>
+          <a:xfrm>
+            <a:off x="1041399" y="1674693"/>
+            <a:ext cx="9304605" cy="981893"/>
           </a:xfrm>
           <a:prstGeom prst="rect">
             <a:avLst/>
           </a:prstGeom>
-          <a:noFill/>
-        </p:spPr>
-        <p:txBody>
-          <a:bodyPr wrap="square">
-            <a:spAutoFit/>
-          </a:bodyPr>
-          <a:lstStyle/>
-          <a:p>
-            <a:r>
-              <a:rPr lang="en-US" altLang="zh-CN" sz="2800" dirty="0"/>
-              <a:t>When classes are (nearly) separable, SVM does better than LR. So does LDA. </a:t>
-            </a:r>
-          </a:p>
-        </p:txBody>
-      </p:sp>
-      <p:sp>
-        <p:nvSpPr>
-          <p:cNvPr id="6" name="TextBox 5">
+        </p:spPr>
+      </p:pic>
+      <p:pic>
+        <p:nvPicPr>
+          <p:cNvPr id="3" name="Picture 2">
             <a:extLst>
               <a:ext uri="{FF2B5EF4-FFF2-40B4-BE49-F238E27FC236}">
-                <a16:creationId xmlns:a16="http://schemas.microsoft.com/office/drawing/2014/main" id="{0D5DEED0-A816-804D-38DD-A0D7235FE831}"/>
+                <a16:creationId xmlns:a16="http://schemas.microsoft.com/office/drawing/2014/main" id="{4EEBC4AE-0F65-04B2-B1D6-9523B6FD636A}"/>
               </a:ext>
             </a:extLst>
           </p:cNvPr>
-          <p:cNvSpPr txBox="1"/>
+          <p:cNvPicPr>
+            <a:picLocks noChangeAspect="1"/>
+          </p:cNvPicPr>
           <p:nvPr/>
-        </p:nvSpPr>
-        <p:spPr>
-          <a:xfrm>
-            <a:off x="838200" y="2905780"/>
-            <a:ext cx="9329383" cy="523220"/>
+        </p:nvPicPr>
+        <p:blipFill>
+          <a:blip r:embed="rId4"/>
+          <a:stretch>
+            <a:fillRect/>
+          </a:stretch>
+        </p:blipFill>
+        <p:spPr>
+          <a:xfrm>
+            <a:off x="1155061" y="3567013"/>
+            <a:ext cx="8616735" cy="1444282"/>
           </a:xfrm>
           <a:prstGeom prst="rect">
             <a:avLst/>
           </a:prstGeom>
-          <a:noFill/>
-        </p:spPr>
-        <p:txBody>
-          <a:bodyPr wrap="square">
-            <a:spAutoFit/>
-          </a:bodyPr>
-          <a:lstStyle/>
-          <a:p>
-            <a:r>
-              <a:rPr lang="en-US" altLang="zh-CN" sz="2800" dirty="0"/>
-              <a:t>When not, LR (with ridge penalty) and SVM very similar. </a:t>
-            </a:r>
-          </a:p>
-        </p:txBody>
-      </p:sp>
-      <p:sp>
-        <p:nvSpPr>
-          <p:cNvPr id="7" name="TextBox 6">
-            <a:extLst>
-              <a:ext uri="{FF2B5EF4-FFF2-40B4-BE49-F238E27FC236}">
-                <a16:creationId xmlns:a16="http://schemas.microsoft.com/office/drawing/2014/main" id="{644D58A7-D06A-E8A6-D4B0-262A798EE601}"/>
-              </a:ext>
-            </a:extLst>
-          </p:cNvPr>
-          <p:cNvSpPr txBox="1"/>
-          <p:nvPr/>
-        </p:nvSpPr>
-        <p:spPr>
-          <a:xfrm>
-            <a:off x="838200" y="3815827"/>
-            <a:ext cx="9329383" cy="523220"/>
-          </a:xfrm>
-          <a:prstGeom prst="rect">
-            <a:avLst/>
-          </a:prstGeom>
-          <a:noFill/>
-        </p:spPr>
-        <p:txBody>
-          <a:bodyPr wrap="square">
-            <a:spAutoFit/>
-          </a:bodyPr>
-          <a:lstStyle/>
-          <a:p>
-            <a:r>
-              <a:rPr lang="en-US" altLang="zh-CN" sz="2800" dirty="0"/>
-              <a:t>If you wish to estimate probabilities, LR is the choice. </a:t>
-            </a:r>
-          </a:p>
-        </p:txBody>
-      </p:sp>
-      <p:sp>
-        <p:nvSpPr>
-          <p:cNvPr id="8" name="TextBox 7">
-            <a:extLst>
-              <a:ext uri="{FF2B5EF4-FFF2-40B4-BE49-F238E27FC236}">
-                <a16:creationId xmlns:a16="http://schemas.microsoft.com/office/drawing/2014/main" id="{4B0B72E5-7AA9-8975-F94E-7DD12EC6B237}"/>
-              </a:ext>
-            </a:extLst>
-          </p:cNvPr>
-          <p:cNvSpPr txBox="1"/>
-          <p:nvPr/>
-        </p:nvSpPr>
-        <p:spPr>
-          <a:xfrm>
-            <a:off x="838200" y="4868979"/>
-            <a:ext cx="10515600" cy="954107"/>
-          </a:xfrm>
-          <a:prstGeom prst="rect">
-            <a:avLst/>
-          </a:prstGeom>
-          <a:noFill/>
-        </p:spPr>
-        <p:txBody>
-          <a:bodyPr wrap="square">
-            <a:spAutoFit/>
-          </a:bodyPr>
-          <a:lstStyle/>
-          <a:p>
-            <a:r>
-              <a:rPr lang="en-US" altLang="zh-CN" sz="2800" dirty="0"/>
-              <a:t>For nonlinear boundaries, kernel SVMs are popular. Can use kernels with LR and LDA as well, but computations are more expensive. </a:t>
-            </a:r>
-          </a:p>
-        </p:txBody>
-      </p:sp>
+        </p:spPr>
+      </p:pic>
     </p:spTree>
     <p:extLst>
       <p:ext uri="{BB962C8B-B14F-4D97-AF65-F5344CB8AC3E}">
-        <p14:creationId xmlns:p14="http://schemas.microsoft.com/office/powerpoint/2010/main" val="148140793"/>
+        <p14:creationId xmlns:p14="http://schemas.microsoft.com/office/powerpoint/2010/main" val="1282574551"/>
       </p:ext>
     </p:extLst>
   </p:cSld>
@@ -7253,6 +7276,205 @@
 </file>
 
 <file path=ppt/slides/slide20.xml><?xml version="1.0" encoding="utf-8"?>
+<p:sld xmlns:a="http://schemas.openxmlformats.org/drawingml/2006/main" xmlns:r="http://schemas.openxmlformats.org/officeDocument/2006/relationships" xmlns:p="http://schemas.openxmlformats.org/presentationml/2006/main">
+  <p:cSld>
+    <p:spTree>
+      <p:nvGrpSpPr>
+        <p:cNvPr id="1" name=""/>
+        <p:cNvGrpSpPr/>
+        <p:nvPr/>
+      </p:nvGrpSpPr>
+      <p:grpSpPr>
+        <a:xfrm>
+          <a:off x="0" y="0"/>
+          <a:ext cx="0" cy="0"/>
+          <a:chOff x="0" y="0"/>
+          <a:chExt cx="0" cy="0"/>
+        </a:xfrm>
+      </p:grpSpPr>
+      <p:sp>
+        <p:nvSpPr>
+          <p:cNvPr id="2" name="Title 1"/>
+          <p:cNvSpPr>
+            <a:spLocks noGrp="1"/>
+          </p:cNvSpPr>
+          <p:nvPr>
+            <p:ph type="title"/>
+          </p:nvPr>
+        </p:nvSpPr>
+        <p:spPr>
+          <a:xfrm>
+            <a:off x="838200" y="365126"/>
+            <a:ext cx="10515600" cy="981894"/>
+          </a:xfrm>
+        </p:spPr>
+        <p:txBody>
+          <a:bodyPr>
+            <a:normAutofit/>
+          </a:bodyPr>
+          <a:lstStyle/>
+          <a:p>
+            <a:r>
+              <a:rPr lang="en-US" dirty="0"/>
+              <a:t>Support Vector vs Logistic Regression </a:t>
+            </a:r>
+          </a:p>
+        </p:txBody>
+      </p:sp>
+      <p:sp>
+        <p:nvSpPr>
+          <p:cNvPr id="5" name="TextBox 4">
+            <a:extLst>
+              <a:ext uri="{FF2B5EF4-FFF2-40B4-BE49-F238E27FC236}">
+                <a16:creationId xmlns:a16="http://schemas.microsoft.com/office/drawing/2014/main" id="{1D99ADF4-060E-2981-DC89-5F6EFDE019E3}"/>
+              </a:ext>
+            </a:extLst>
+          </p:cNvPr>
+          <p:cNvSpPr txBox="1"/>
+          <p:nvPr/>
+        </p:nvSpPr>
+        <p:spPr>
+          <a:xfrm>
+            <a:off x="838200" y="1729612"/>
+            <a:ext cx="9329383" cy="954107"/>
+          </a:xfrm>
+          <a:prstGeom prst="rect">
+            <a:avLst/>
+          </a:prstGeom>
+          <a:noFill/>
+        </p:spPr>
+        <p:txBody>
+          <a:bodyPr wrap="square">
+            <a:spAutoFit/>
+          </a:bodyPr>
+          <a:lstStyle/>
+          <a:p>
+            <a:r>
+              <a:rPr lang="en-US" altLang="zh-CN" sz="2800" dirty="0"/>
+              <a:t>When classes are (nearly) separable, SVM does better than LR. So does LDA. </a:t>
+            </a:r>
+          </a:p>
+        </p:txBody>
+      </p:sp>
+      <p:sp>
+        <p:nvSpPr>
+          <p:cNvPr id="6" name="TextBox 5">
+            <a:extLst>
+              <a:ext uri="{FF2B5EF4-FFF2-40B4-BE49-F238E27FC236}">
+                <a16:creationId xmlns:a16="http://schemas.microsoft.com/office/drawing/2014/main" id="{0D5DEED0-A816-804D-38DD-A0D7235FE831}"/>
+              </a:ext>
+            </a:extLst>
+          </p:cNvPr>
+          <p:cNvSpPr txBox="1"/>
+          <p:nvPr/>
+        </p:nvSpPr>
+        <p:spPr>
+          <a:xfrm>
+            <a:off x="838200" y="2905780"/>
+            <a:ext cx="9329383" cy="523220"/>
+          </a:xfrm>
+          <a:prstGeom prst="rect">
+            <a:avLst/>
+          </a:prstGeom>
+          <a:noFill/>
+        </p:spPr>
+        <p:txBody>
+          <a:bodyPr wrap="square">
+            <a:spAutoFit/>
+          </a:bodyPr>
+          <a:lstStyle/>
+          <a:p>
+            <a:r>
+              <a:rPr lang="en-US" altLang="zh-CN" sz="2800" dirty="0"/>
+              <a:t>When not, LR (with ridge penalty) and SVM very similar. </a:t>
+            </a:r>
+          </a:p>
+        </p:txBody>
+      </p:sp>
+      <p:sp>
+        <p:nvSpPr>
+          <p:cNvPr id="7" name="TextBox 6">
+            <a:extLst>
+              <a:ext uri="{FF2B5EF4-FFF2-40B4-BE49-F238E27FC236}">
+                <a16:creationId xmlns:a16="http://schemas.microsoft.com/office/drawing/2014/main" id="{644D58A7-D06A-E8A6-D4B0-262A798EE601}"/>
+              </a:ext>
+            </a:extLst>
+          </p:cNvPr>
+          <p:cNvSpPr txBox="1"/>
+          <p:nvPr/>
+        </p:nvSpPr>
+        <p:spPr>
+          <a:xfrm>
+            <a:off x="838200" y="3815827"/>
+            <a:ext cx="9329383" cy="523220"/>
+          </a:xfrm>
+          <a:prstGeom prst="rect">
+            <a:avLst/>
+          </a:prstGeom>
+          <a:noFill/>
+        </p:spPr>
+        <p:txBody>
+          <a:bodyPr wrap="square">
+            <a:spAutoFit/>
+          </a:bodyPr>
+          <a:lstStyle/>
+          <a:p>
+            <a:r>
+              <a:rPr lang="en-US" altLang="zh-CN" sz="2800" dirty="0"/>
+              <a:t>If you wish to estimate probabilities, LR is the choice. </a:t>
+            </a:r>
+          </a:p>
+        </p:txBody>
+      </p:sp>
+      <p:sp>
+        <p:nvSpPr>
+          <p:cNvPr id="8" name="TextBox 7">
+            <a:extLst>
+              <a:ext uri="{FF2B5EF4-FFF2-40B4-BE49-F238E27FC236}">
+                <a16:creationId xmlns:a16="http://schemas.microsoft.com/office/drawing/2014/main" id="{4B0B72E5-7AA9-8975-F94E-7DD12EC6B237}"/>
+              </a:ext>
+            </a:extLst>
+          </p:cNvPr>
+          <p:cNvSpPr txBox="1"/>
+          <p:nvPr/>
+        </p:nvSpPr>
+        <p:spPr>
+          <a:xfrm>
+            <a:off x="838200" y="4868979"/>
+            <a:ext cx="10515600" cy="954107"/>
+          </a:xfrm>
+          <a:prstGeom prst="rect">
+            <a:avLst/>
+          </a:prstGeom>
+          <a:noFill/>
+        </p:spPr>
+        <p:txBody>
+          <a:bodyPr wrap="square">
+            <a:spAutoFit/>
+          </a:bodyPr>
+          <a:lstStyle/>
+          <a:p>
+            <a:r>
+              <a:rPr lang="en-US" altLang="zh-CN" sz="2800" dirty="0"/>
+              <a:t>For nonlinear boundaries, kernel SVMs are popular. Can use kernels with LR and LDA as well, but computations are more expensive. </a:t>
+            </a:r>
+          </a:p>
+        </p:txBody>
+      </p:sp>
+    </p:spTree>
+    <p:extLst>
+      <p:ext uri="{BB962C8B-B14F-4D97-AF65-F5344CB8AC3E}">
+        <p14:creationId xmlns:p14="http://schemas.microsoft.com/office/powerpoint/2010/main" val="148140793"/>
+      </p:ext>
+    </p:extLst>
+  </p:cSld>
+  <p:clrMapOvr>
+    <a:masterClrMapping/>
+  </p:clrMapOvr>
+</p:sld>
+</file>
+
+<file path=ppt/slides/slide21.xml><?xml version="1.0" encoding="utf-8"?>
 <p:sld xmlns:a="http://schemas.openxmlformats.org/drawingml/2006/main" xmlns:r="http://schemas.openxmlformats.org/officeDocument/2006/relationships" xmlns:p="http://schemas.openxmlformats.org/presentationml/2006/main">
   <p:cSld>
     <p:spTree>
